--- a/Gr2 - Canevas - CDC.pptx
+++ b/Gr2 - Canevas - CDC.pptx
@@ -1,19 +1,114 @@
 
 <file path=ppt/presentation.xml><?xml version="1.0" encoding="utf-8"?>
-<p:presentation xmlns:a="http://schemas.openxmlformats.org/drawingml/2006/main" xmlns:p="http://schemas.openxmlformats.org/presentationml/2006/main" xmlns:r="http://schemas.openxmlformats.org/officeDocument/2006/relationships" xmlns:p14="http://schemas.microsoft.com/office/powerpoint/2010/main" xmlns:p15="http://schemas.microsoft.com/office/powerpoint/2012/main" xmlns:mc="http://schemas.openxmlformats.org/markup-compatibility/2006">
+<p:presentation xmlns:a="http://schemas.openxmlformats.org/drawingml/2006/main" xmlns:r="http://schemas.openxmlformats.org/officeDocument/2006/relationships" xmlns:p="http://schemas.openxmlformats.org/presentationml/2006/main">
   <p:sldMasterIdLst>
-    <p:sldMasterId id="2147483648" r:id="rId2"/>
+    <p:sldMasterId id="2147483648" r:id="rId1"/>
   </p:sldMasterIdLst>
   <p:sldIdLst>
-    <p:sldId id="256" r:id="rId3"/>
+    <p:sldId id="256" r:id="rId2"/>
   </p:sldIdLst>
-  <p:sldSz cx="9144000" cy="5143500"/>
+  <p:sldSz cx="9144000" cy="5143500" type="screen16x9"/>
   <p:notesSz cx="6858000" cy="9144000"/>
+  <p:defaultTextStyle>
+    <a:defPPr>
+      <a:defRPr lang="fr-FR"/>
+    </a:defPPr>
+    <a:lvl1pPr marL="0" algn="l" defTabSz="914400" rtl="0" eaLnBrk="1" latinLnBrk="0" hangingPunct="1">
+      <a:defRPr sz="1800" kern="1200">
+        <a:solidFill>
+          <a:schemeClr val="tx1"/>
+        </a:solidFill>
+        <a:latin typeface="+mn-lt"/>
+        <a:ea typeface="+mn-ea"/>
+        <a:cs typeface="+mn-cs"/>
+      </a:defRPr>
+    </a:lvl1pPr>
+    <a:lvl2pPr marL="457200" algn="l" defTabSz="914400" rtl="0" eaLnBrk="1" latinLnBrk="0" hangingPunct="1">
+      <a:defRPr sz="1800" kern="1200">
+        <a:solidFill>
+          <a:schemeClr val="tx1"/>
+        </a:solidFill>
+        <a:latin typeface="+mn-lt"/>
+        <a:ea typeface="+mn-ea"/>
+        <a:cs typeface="+mn-cs"/>
+      </a:defRPr>
+    </a:lvl2pPr>
+    <a:lvl3pPr marL="914400" algn="l" defTabSz="914400" rtl="0" eaLnBrk="1" latinLnBrk="0" hangingPunct="1">
+      <a:defRPr sz="1800" kern="1200">
+        <a:solidFill>
+          <a:schemeClr val="tx1"/>
+        </a:solidFill>
+        <a:latin typeface="+mn-lt"/>
+        <a:ea typeface="+mn-ea"/>
+        <a:cs typeface="+mn-cs"/>
+      </a:defRPr>
+    </a:lvl3pPr>
+    <a:lvl4pPr marL="1371600" algn="l" defTabSz="914400" rtl="0" eaLnBrk="1" latinLnBrk="0" hangingPunct="1">
+      <a:defRPr sz="1800" kern="1200">
+        <a:solidFill>
+          <a:schemeClr val="tx1"/>
+        </a:solidFill>
+        <a:latin typeface="+mn-lt"/>
+        <a:ea typeface="+mn-ea"/>
+        <a:cs typeface="+mn-cs"/>
+      </a:defRPr>
+    </a:lvl4pPr>
+    <a:lvl5pPr marL="1828800" algn="l" defTabSz="914400" rtl="0" eaLnBrk="1" latinLnBrk="0" hangingPunct="1">
+      <a:defRPr sz="1800" kern="1200">
+        <a:solidFill>
+          <a:schemeClr val="tx1"/>
+        </a:solidFill>
+        <a:latin typeface="+mn-lt"/>
+        <a:ea typeface="+mn-ea"/>
+        <a:cs typeface="+mn-cs"/>
+      </a:defRPr>
+    </a:lvl5pPr>
+    <a:lvl6pPr marL="2286000" algn="l" defTabSz="914400" rtl="0" eaLnBrk="1" latinLnBrk="0" hangingPunct="1">
+      <a:defRPr sz="1800" kern="1200">
+        <a:solidFill>
+          <a:schemeClr val="tx1"/>
+        </a:solidFill>
+        <a:latin typeface="+mn-lt"/>
+        <a:ea typeface="+mn-ea"/>
+        <a:cs typeface="+mn-cs"/>
+      </a:defRPr>
+    </a:lvl6pPr>
+    <a:lvl7pPr marL="2743200" algn="l" defTabSz="914400" rtl="0" eaLnBrk="1" latinLnBrk="0" hangingPunct="1">
+      <a:defRPr sz="1800" kern="1200">
+        <a:solidFill>
+          <a:schemeClr val="tx1"/>
+        </a:solidFill>
+        <a:latin typeface="+mn-lt"/>
+        <a:ea typeface="+mn-ea"/>
+        <a:cs typeface="+mn-cs"/>
+      </a:defRPr>
+    </a:lvl7pPr>
+    <a:lvl8pPr marL="3200400" algn="l" defTabSz="914400" rtl="0" eaLnBrk="1" latinLnBrk="0" hangingPunct="1">
+      <a:defRPr sz="1800" kern="1200">
+        <a:solidFill>
+          <a:schemeClr val="tx1"/>
+        </a:solidFill>
+        <a:latin typeface="+mn-lt"/>
+        <a:ea typeface="+mn-ea"/>
+        <a:cs typeface="+mn-cs"/>
+      </a:defRPr>
+    </a:lvl8pPr>
+    <a:lvl9pPr marL="3657600" algn="l" defTabSz="914400" rtl="0" eaLnBrk="1" latinLnBrk="0" hangingPunct="1">
+      <a:defRPr sz="1800" kern="1200">
+        <a:solidFill>
+          <a:schemeClr val="tx1"/>
+        </a:solidFill>
+        <a:latin typeface="+mn-lt"/>
+        <a:ea typeface="+mn-ea"/>
+        <a:cs typeface="+mn-cs"/>
+      </a:defRPr>
+    </a:lvl9pPr>
+  </p:defaultTextStyle>
 </p:presentation>
 </file>
 
 <file path=ppt/slideLayouts/slideLayout1.xml><?xml version="1.0" encoding="utf-8"?>
-<p:sldLayout xmlns:a="http://schemas.openxmlformats.org/drawingml/2006/main" xmlns:p="http://schemas.openxmlformats.org/presentationml/2006/main" xmlns:r="http://schemas.openxmlformats.org/officeDocument/2006/relationships" xmlns:p14="http://schemas.microsoft.com/office/powerpoint/2010/main" xmlns:p15="http://schemas.microsoft.com/office/powerpoint/2012/main" xmlns:mc="http://schemas.openxmlformats.org/markup-compatibility/2006" type="blank" preserve="1">
+<p:sldLayout xmlns:a="http://schemas.openxmlformats.org/drawingml/2006/main" xmlns:r="http://schemas.openxmlformats.org/officeDocument/2006/relationships" xmlns:p="http://schemas.openxmlformats.org/presentationml/2006/main" type="blank" preserve="1">
   <p:cSld name="Blank Slide">
     <p:spTree>
       <p:nvGrpSpPr>
@@ -42,20 +137,25 @@
         <p:spPr/>
         <p:txBody>
           <a:bodyPr/>
+          <a:lstStyle/>
           <a:p>
             <a:fld id="{ED6C2F1C-CE60-428A-AF54-891321BCF634}" type="slidenum">
-              <a:t>&lt;#&gt;</a:t>
+              <a:t>‹N°›</a:t>
             </a:fld>
+            <a:endParaRPr/>
           </a:p>
         </p:txBody>
       </p:sp>
     </p:spTree>
   </p:cSld>
+  <p:clrMapOvr>
+    <a:masterClrMapping/>
+  </p:clrMapOvr>
 </p:sldLayout>
 </file>
 
 <file path=ppt/slideLayouts/slideLayout10.xml><?xml version="1.0" encoding="utf-8"?>
-<p:sldLayout xmlns:a="http://schemas.openxmlformats.org/drawingml/2006/main" xmlns:p="http://schemas.openxmlformats.org/presentationml/2006/main" xmlns:r="http://schemas.openxmlformats.org/officeDocument/2006/relationships" xmlns:p14="http://schemas.microsoft.com/office/powerpoint/2010/main" xmlns:p15="http://schemas.microsoft.com/office/powerpoint/2012/main" xmlns:mc="http://schemas.openxmlformats.org/markup-compatibility/2006" type="objOverTx" preserve="1">
+<p:sldLayout xmlns:a="http://schemas.openxmlformats.org/drawingml/2006/main" xmlns:r="http://schemas.openxmlformats.org/officeDocument/2006/relationships" xmlns:p="http://schemas.openxmlformats.org/presentationml/2006/main" type="objOverTx" preserve="1">
   <p:cSld name="Title, Content over Content">
     <p:spTree>
       <p:nvGrpSpPr>
@@ -95,14 +195,15 @@
           </a:ln>
         </p:spPr>
         <p:txBody>
-          <a:bodyPr lIns="0" rIns="0" tIns="0" bIns="0" anchor="ctr">
+          <a:bodyPr lIns="0" tIns="0" rIns="0" bIns="0" anchor="ctr">
             <a:noAutofit/>
           </a:bodyPr>
+          <a:lstStyle/>
           <a:p>
             <a:pPr indent="0">
               <a:buNone/>
             </a:pPr>
-            <a:endParaRPr b="0" lang="fr-FR" sz="1400" spc="-1" strike="noStrike">
+            <a:endParaRPr lang="fr-FR" sz="1400" b="0" strike="noStrike" spc="-1">
               <a:solidFill>
                 <a:srgbClr val="000000"/>
               </a:solidFill>
@@ -135,9 +236,10 @@
           </a:ln>
         </p:spPr>
         <p:txBody>
-          <a:bodyPr lIns="0" rIns="0" tIns="0" bIns="0" anchor="t">
+          <a:bodyPr lIns="0" tIns="0" rIns="0" bIns="0" anchor="t">
             <a:normAutofit/>
           </a:bodyPr>
+          <a:lstStyle/>
           <a:p>
             <a:pPr indent="0">
               <a:spcBef>
@@ -145,7 +247,7 @@
               </a:spcBef>
               <a:buNone/>
             </a:pPr>
-            <a:endParaRPr b="0" lang="fr-FR" sz="1400" spc="-1" strike="noStrike">
+            <a:endParaRPr lang="fr-FR" sz="1400" b="0" strike="noStrike" spc="-1">
               <a:solidFill>
                 <a:srgbClr val="000000"/>
               </a:solidFill>
@@ -178,9 +280,10 @@
           </a:ln>
         </p:spPr>
         <p:txBody>
-          <a:bodyPr lIns="0" rIns="0" tIns="0" bIns="0" anchor="t">
+          <a:bodyPr lIns="0" tIns="0" rIns="0" bIns="0" anchor="t">
             <a:normAutofit/>
           </a:bodyPr>
+          <a:lstStyle/>
           <a:p>
             <a:pPr indent="0">
               <a:spcBef>
@@ -188,7 +291,7 @@
               </a:spcBef>
               <a:buNone/>
             </a:pPr>
-            <a:endParaRPr b="0" lang="fr-FR" sz="1400" spc="-1" strike="noStrike">
+            <a:endParaRPr lang="fr-FR" sz="1400" b="0" strike="noStrike" spc="-1">
               <a:solidFill>
                 <a:srgbClr val="000000"/>
               </a:solidFill>
@@ -210,20 +313,25 @@
         <p:spPr/>
         <p:txBody>
           <a:bodyPr/>
+          <a:lstStyle/>
           <a:p>
             <a:fld id="{5035F9EB-52AD-434D-B2A7-6779CD9C1070}" type="slidenum">
-              <a:t>&lt;#&gt;</a:t>
+              <a:t>‹N°›</a:t>
             </a:fld>
+            <a:endParaRPr/>
           </a:p>
         </p:txBody>
       </p:sp>
     </p:spTree>
   </p:cSld>
+  <p:clrMapOvr>
+    <a:masterClrMapping/>
+  </p:clrMapOvr>
 </p:sldLayout>
 </file>
 
 <file path=ppt/slideLayouts/slideLayout11.xml><?xml version="1.0" encoding="utf-8"?>
-<p:sldLayout xmlns:a="http://schemas.openxmlformats.org/drawingml/2006/main" xmlns:p="http://schemas.openxmlformats.org/presentationml/2006/main" xmlns:r="http://schemas.openxmlformats.org/officeDocument/2006/relationships" xmlns:p14="http://schemas.microsoft.com/office/powerpoint/2010/main" xmlns:p15="http://schemas.microsoft.com/office/powerpoint/2012/main" xmlns:mc="http://schemas.openxmlformats.org/markup-compatibility/2006" type="fourObj" preserve="1">
+<p:sldLayout xmlns:a="http://schemas.openxmlformats.org/drawingml/2006/main" xmlns:r="http://schemas.openxmlformats.org/officeDocument/2006/relationships" xmlns:p="http://schemas.openxmlformats.org/presentationml/2006/main" type="fourObj" preserve="1">
   <p:cSld name="Title, 4 Content">
     <p:spTree>
       <p:nvGrpSpPr>
@@ -263,14 +371,15 @@
           </a:ln>
         </p:spPr>
         <p:txBody>
-          <a:bodyPr lIns="0" rIns="0" tIns="0" bIns="0" anchor="ctr">
+          <a:bodyPr lIns="0" tIns="0" rIns="0" bIns="0" anchor="ctr">
             <a:noAutofit/>
           </a:bodyPr>
+          <a:lstStyle/>
           <a:p>
             <a:pPr indent="0">
               <a:buNone/>
             </a:pPr>
-            <a:endParaRPr b="0" lang="fr-FR" sz="1400" spc="-1" strike="noStrike">
+            <a:endParaRPr lang="fr-FR" sz="1400" b="0" strike="noStrike" spc="-1">
               <a:solidFill>
                 <a:srgbClr val="000000"/>
               </a:solidFill>
@@ -303,9 +412,10 @@
           </a:ln>
         </p:spPr>
         <p:txBody>
-          <a:bodyPr lIns="0" rIns="0" tIns="0" bIns="0" anchor="t">
+          <a:bodyPr lIns="0" tIns="0" rIns="0" bIns="0" anchor="t">
             <a:normAutofit/>
           </a:bodyPr>
+          <a:lstStyle/>
           <a:p>
             <a:pPr indent="0">
               <a:spcBef>
@@ -313,7 +423,7 @@
               </a:spcBef>
               <a:buNone/>
             </a:pPr>
-            <a:endParaRPr b="0" lang="fr-FR" sz="1400" spc="-1" strike="noStrike">
+            <a:endParaRPr lang="fr-FR" sz="1400" b="0" strike="noStrike" spc="-1">
               <a:solidFill>
                 <a:srgbClr val="000000"/>
               </a:solidFill>
@@ -346,9 +456,10 @@
           </a:ln>
         </p:spPr>
         <p:txBody>
-          <a:bodyPr lIns="0" rIns="0" tIns="0" bIns="0" anchor="t">
+          <a:bodyPr lIns="0" tIns="0" rIns="0" bIns="0" anchor="t">
             <a:normAutofit/>
           </a:bodyPr>
+          <a:lstStyle/>
           <a:p>
             <a:pPr indent="0">
               <a:spcBef>
@@ -356,7 +467,7 @@
               </a:spcBef>
               <a:buNone/>
             </a:pPr>
-            <a:endParaRPr b="0" lang="fr-FR" sz="1400" spc="-1" strike="noStrike">
+            <a:endParaRPr lang="fr-FR" sz="1400" b="0" strike="noStrike" spc="-1">
               <a:solidFill>
                 <a:srgbClr val="000000"/>
               </a:solidFill>
@@ -389,9 +500,10 @@
           </a:ln>
         </p:spPr>
         <p:txBody>
-          <a:bodyPr lIns="0" rIns="0" tIns="0" bIns="0" anchor="t">
+          <a:bodyPr lIns="0" tIns="0" rIns="0" bIns="0" anchor="t">
             <a:normAutofit/>
           </a:bodyPr>
+          <a:lstStyle/>
           <a:p>
             <a:pPr indent="0">
               <a:spcBef>
@@ -399,7 +511,7 @@
               </a:spcBef>
               <a:buNone/>
             </a:pPr>
-            <a:endParaRPr b="0" lang="fr-FR" sz="1400" spc="-1" strike="noStrike">
+            <a:endParaRPr lang="fr-FR" sz="1400" b="0" strike="noStrike" spc="-1">
               <a:solidFill>
                 <a:srgbClr val="000000"/>
               </a:solidFill>
@@ -432,9 +544,10 @@
           </a:ln>
         </p:spPr>
         <p:txBody>
-          <a:bodyPr lIns="0" rIns="0" tIns="0" bIns="0" anchor="t">
+          <a:bodyPr lIns="0" tIns="0" rIns="0" bIns="0" anchor="t">
             <a:normAutofit/>
           </a:bodyPr>
+          <a:lstStyle/>
           <a:p>
             <a:pPr indent="0">
               <a:spcBef>
@@ -442,7 +555,7 @@
               </a:spcBef>
               <a:buNone/>
             </a:pPr>
-            <a:endParaRPr b="0" lang="fr-FR" sz="1400" spc="-1" strike="noStrike">
+            <a:endParaRPr lang="fr-FR" sz="1400" b="0" strike="noStrike" spc="-1">
               <a:solidFill>
                 <a:srgbClr val="000000"/>
               </a:solidFill>
@@ -464,20 +577,25 @@
         <p:spPr/>
         <p:txBody>
           <a:bodyPr/>
+          <a:lstStyle/>
           <a:p>
             <a:fld id="{D9A9DC20-5D47-4713-9FD8-B5E1CC8876EE}" type="slidenum">
-              <a:t>&lt;#&gt;</a:t>
+              <a:t>‹N°›</a:t>
             </a:fld>
+            <a:endParaRPr/>
           </a:p>
         </p:txBody>
       </p:sp>
     </p:spTree>
   </p:cSld>
+  <p:clrMapOvr>
+    <a:masterClrMapping/>
+  </p:clrMapOvr>
 </p:sldLayout>
 </file>
 
 <file path=ppt/slideLayouts/slideLayout12.xml><?xml version="1.0" encoding="utf-8"?>
-<p:sldLayout xmlns:a="http://schemas.openxmlformats.org/drawingml/2006/main" xmlns:p="http://schemas.openxmlformats.org/presentationml/2006/main" xmlns:r="http://schemas.openxmlformats.org/officeDocument/2006/relationships" xmlns:p14="http://schemas.microsoft.com/office/powerpoint/2010/main" xmlns:p15="http://schemas.microsoft.com/office/powerpoint/2012/main" xmlns:mc="http://schemas.openxmlformats.org/markup-compatibility/2006" type="blank" preserve="1">
+<p:sldLayout xmlns:a="http://schemas.openxmlformats.org/drawingml/2006/main" xmlns:r="http://schemas.openxmlformats.org/officeDocument/2006/relationships" xmlns:p="http://schemas.openxmlformats.org/presentationml/2006/main" type="blank" preserve="1">
   <p:cSld name="Title, 6 Content">
     <p:spTree>
       <p:nvGrpSpPr>
@@ -517,14 +635,15 @@
           </a:ln>
         </p:spPr>
         <p:txBody>
-          <a:bodyPr lIns="0" rIns="0" tIns="0" bIns="0" anchor="ctr">
+          <a:bodyPr lIns="0" tIns="0" rIns="0" bIns="0" anchor="ctr">
             <a:noAutofit/>
           </a:bodyPr>
+          <a:lstStyle/>
           <a:p>
             <a:pPr indent="0">
               <a:buNone/>
             </a:pPr>
-            <a:endParaRPr b="0" lang="fr-FR" sz="1400" spc="-1" strike="noStrike">
+            <a:endParaRPr lang="fr-FR" sz="1400" b="0" strike="noStrike" spc="-1">
               <a:solidFill>
                 <a:srgbClr val="000000"/>
               </a:solidFill>
@@ -557,9 +676,10 @@
           </a:ln>
         </p:spPr>
         <p:txBody>
-          <a:bodyPr lIns="0" rIns="0" tIns="0" bIns="0" anchor="t">
+          <a:bodyPr lIns="0" tIns="0" rIns="0" bIns="0" anchor="t">
             <a:normAutofit/>
           </a:bodyPr>
+          <a:lstStyle/>
           <a:p>
             <a:pPr indent="0">
               <a:spcBef>
@@ -567,7 +687,7 @@
               </a:spcBef>
               <a:buNone/>
             </a:pPr>
-            <a:endParaRPr b="0" lang="fr-FR" sz="1400" spc="-1" strike="noStrike">
+            <a:endParaRPr lang="fr-FR" sz="1400" b="0" strike="noStrike" spc="-1">
               <a:solidFill>
                 <a:srgbClr val="000000"/>
               </a:solidFill>
@@ -600,9 +720,10 @@
           </a:ln>
         </p:spPr>
         <p:txBody>
-          <a:bodyPr lIns="0" rIns="0" tIns="0" bIns="0" anchor="t">
+          <a:bodyPr lIns="0" tIns="0" rIns="0" bIns="0" anchor="t">
             <a:normAutofit/>
           </a:bodyPr>
+          <a:lstStyle/>
           <a:p>
             <a:pPr indent="0">
               <a:spcBef>
@@ -610,7 +731,7 @@
               </a:spcBef>
               <a:buNone/>
             </a:pPr>
-            <a:endParaRPr b="0" lang="fr-FR" sz="1400" spc="-1" strike="noStrike">
+            <a:endParaRPr lang="fr-FR" sz="1400" b="0" strike="noStrike" spc="-1">
               <a:solidFill>
                 <a:srgbClr val="000000"/>
               </a:solidFill>
@@ -643,9 +764,10 @@
           </a:ln>
         </p:spPr>
         <p:txBody>
-          <a:bodyPr lIns="0" rIns="0" tIns="0" bIns="0" anchor="t">
+          <a:bodyPr lIns="0" tIns="0" rIns="0" bIns="0" anchor="t">
             <a:normAutofit/>
           </a:bodyPr>
+          <a:lstStyle/>
           <a:p>
             <a:pPr indent="0">
               <a:spcBef>
@@ -653,7 +775,7 @@
               </a:spcBef>
               <a:buNone/>
             </a:pPr>
-            <a:endParaRPr b="0" lang="fr-FR" sz="1400" spc="-1" strike="noStrike">
+            <a:endParaRPr lang="fr-FR" sz="1400" b="0" strike="noStrike" spc="-1">
               <a:solidFill>
                 <a:srgbClr val="000000"/>
               </a:solidFill>
@@ -686,9 +808,10 @@
           </a:ln>
         </p:spPr>
         <p:txBody>
-          <a:bodyPr lIns="0" rIns="0" tIns="0" bIns="0" anchor="t">
+          <a:bodyPr lIns="0" tIns="0" rIns="0" bIns="0" anchor="t">
             <a:normAutofit/>
           </a:bodyPr>
+          <a:lstStyle/>
           <a:p>
             <a:pPr indent="0">
               <a:spcBef>
@@ -696,7 +819,7 @@
               </a:spcBef>
               <a:buNone/>
             </a:pPr>
-            <a:endParaRPr b="0" lang="fr-FR" sz="1400" spc="-1" strike="noStrike">
+            <a:endParaRPr lang="fr-FR" sz="1400" b="0" strike="noStrike" spc="-1">
               <a:solidFill>
                 <a:srgbClr val="000000"/>
               </a:solidFill>
@@ -729,9 +852,10 @@
           </a:ln>
         </p:spPr>
         <p:txBody>
-          <a:bodyPr lIns="0" rIns="0" tIns="0" bIns="0" anchor="t">
+          <a:bodyPr lIns="0" tIns="0" rIns="0" bIns="0" anchor="t">
             <a:normAutofit/>
           </a:bodyPr>
+          <a:lstStyle/>
           <a:p>
             <a:pPr indent="0">
               <a:spcBef>
@@ -739,7 +863,7 @@
               </a:spcBef>
               <a:buNone/>
             </a:pPr>
-            <a:endParaRPr b="0" lang="fr-FR" sz="1400" spc="-1" strike="noStrike">
+            <a:endParaRPr lang="fr-FR" sz="1400" b="0" strike="noStrike" spc="-1">
               <a:solidFill>
                 <a:srgbClr val="000000"/>
               </a:solidFill>
@@ -772,9 +896,10 @@
           </a:ln>
         </p:spPr>
         <p:txBody>
-          <a:bodyPr lIns="0" rIns="0" tIns="0" bIns="0" anchor="t">
+          <a:bodyPr lIns="0" tIns="0" rIns="0" bIns="0" anchor="t">
             <a:normAutofit/>
           </a:bodyPr>
+          <a:lstStyle/>
           <a:p>
             <a:pPr indent="0">
               <a:spcBef>
@@ -782,7 +907,7 @@
               </a:spcBef>
               <a:buNone/>
             </a:pPr>
-            <a:endParaRPr b="0" lang="fr-FR" sz="1400" spc="-1" strike="noStrike">
+            <a:endParaRPr lang="fr-FR" sz="1400" b="0" strike="noStrike" spc="-1">
               <a:solidFill>
                 <a:srgbClr val="000000"/>
               </a:solidFill>
@@ -804,20 +929,25 @@
         <p:spPr/>
         <p:txBody>
           <a:bodyPr/>
+          <a:lstStyle/>
           <a:p>
             <a:fld id="{76603DC5-AAC3-4434-BD96-378A93776A54}" type="slidenum">
-              <a:t>&lt;#&gt;</a:t>
+              <a:t>‹N°›</a:t>
             </a:fld>
+            <a:endParaRPr/>
           </a:p>
         </p:txBody>
       </p:sp>
     </p:spTree>
   </p:cSld>
+  <p:clrMapOvr>
+    <a:masterClrMapping/>
+  </p:clrMapOvr>
 </p:sldLayout>
 </file>
 
 <file path=ppt/slideLayouts/slideLayout2.xml><?xml version="1.0" encoding="utf-8"?>
-<p:sldLayout xmlns:a="http://schemas.openxmlformats.org/drawingml/2006/main" xmlns:p="http://schemas.openxmlformats.org/presentationml/2006/main" xmlns:r="http://schemas.openxmlformats.org/officeDocument/2006/relationships" xmlns:p14="http://schemas.microsoft.com/office/powerpoint/2010/main" xmlns:p15="http://schemas.microsoft.com/office/powerpoint/2012/main" xmlns:mc="http://schemas.openxmlformats.org/markup-compatibility/2006" type="tx" preserve="1">
+<p:sldLayout xmlns:a="http://schemas.openxmlformats.org/drawingml/2006/main" xmlns:r="http://schemas.openxmlformats.org/officeDocument/2006/relationships" xmlns:p="http://schemas.openxmlformats.org/presentationml/2006/main" type="tx" preserve="1">
   <p:cSld name="Title Slide">
     <p:spTree>
       <p:nvGrpSpPr>
@@ -857,14 +987,15 @@
           </a:ln>
         </p:spPr>
         <p:txBody>
-          <a:bodyPr lIns="0" rIns="0" tIns="0" bIns="0" anchor="ctr">
+          <a:bodyPr lIns="0" tIns="0" rIns="0" bIns="0" anchor="ctr">
             <a:noAutofit/>
           </a:bodyPr>
+          <a:lstStyle/>
           <a:p>
             <a:pPr indent="0">
               <a:buNone/>
             </a:pPr>
-            <a:endParaRPr b="0" lang="fr-FR" sz="1400" spc="-1" strike="noStrike">
+            <a:endParaRPr lang="fr-FR" sz="1400" b="0" strike="noStrike" spc="-1">
               <a:solidFill>
                 <a:srgbClr val="000000"/>
               </a:solidFill>
@@ -897,22 +1028,23 @@
           </a:ln>
         </p:spPr>
         <p:txBody>
-          <a:bodyPr lIns="0" rIns="0" tIns="0" bIns="0" anchor="ctr">
+          <a:bodyPr lIns="0" tIns="0" rIns="0" bIns="0" anchor="ctr">
             <a:noAutofit/>
           </a:bodyPr>
+          <a:lstStyle/>
           <a:p>
             <a:pPr indent="0" algn="ctr">
               <a:buNone/>
             </a:pPr>
-            <a:endParaRPr b="0" lang="fr-FR" sz="3200" spc="-1" strike="noStrike">
-              <a:latin typeface="Arial"/>
-            </a:endParaRPr>
-          </a:p>
-        </p:txBody>
-      </p:sp>
-      <p:sp>
-        <p:nvSpPr>
-          <p:cNvPr id="4" name="PlaceHolder 3"/>
+            <a:endParaRPr lang="fr-FR" sz="3200" b="0" strike="noStrike" spc="-1">
+              <a:latin typeface="Arial"/>
+            </a:endParaRPr>
+          </a:p>
+        </p:txBody>
+      </p:sp>
+      <p:sp>
+        <p:nvSpPr>
+          <p:cNvPr id="2" name="PlaceHolder 3"/>
           <p:cNvSpPr>
             <a:spLocks noGrp="1"/>
           </p:cNvSpPr>
@@ -923,20 +1055,25 @@
         <p:spPr/>
         <p:txBody>
           <a:bodyPr/>
+          <a:lstStyle/>
           <a:p>
             <a:fld id="{563030D0-E72E-47E5-82B3-A6C5AB7EEFE3}" type="slidenum">
-              <a:t>&lt;#&gt;</a:t>
+              <a:t>‹N°›</a:t>
             </a:fld>
+            <a:endParaRPr/>
           </a:p>
         </p:txBody>
       </p:sp>
     </p:spTree>
   </p:cSld>
+  <p:clrMapOvr>
+    <a:masterClrMapping/>
+  </p:clrMapOvr>
 </p:sldLayout>
 </file>
 
 <file path=ppt/slideLayouts/slideLayout3.xml><?xml version="1.0" encoding="utf-8"?>
-<p:sldLayout xmlns:a="http://schemas.openxmlformats.org/drawingml/2006/main" xmlns:p="http://schemas.openxmlformats.org/presentationml/2006/main" xmlns:r="http://schemas.openxmlformats.org/officeDocument/2006/relationships" xmlns:p14="http://schemas.microsoft.com/office/powerpoint/2010/main" xmlns:p15="http://schemas.microsoft.com/office/powerpoint/2012/main" xmlns:mc="http://schemas.openxmlformats.org/markup-compatibility/2006" type="obj" preserve="1">
+<p:sldLayout xmlns:a="http://schemas.openxmlformats.org/drawingml/2006/main" xmlns:r="http://schemas.openxmlformats.org/officeDocument/2006/relationships" xmlns:p="http://schemas.openxmlformats.org/presentationml/2006/main" type="obj" preserve="1">
   <p:cSld name="Title, Content">
     <p:spTree>
       <p:nvGrpSpPr>
@@ -976,14 +1113,15 @@
           </a:ln>
         </p:spPr>
         <p:txBody>
-          <a:bodyPr lIns="0" rIns="0" tIns="0" bIns="0" anchor="ctr">
+          <a:bodyPr lIns="0" tIns="0" rIns="0" bIns="0" anchor="ctr">
             <a:noAutofit/>
           </a:bodyPr>
+          <a:lstStyle/>
           <a:p>
             <a:pPr indent="0">
               <a:buNone/>
             </a:pPr>
-            <a:endParaRPr b="0" lang="fr-FR" sz="1400" spc="-1" strike="noStrike">
+            <a:endParaRPr lang="fr-FR" sz="1400" b="0" strike="noStrike" spc="-1">
               <a:solidFill>
                 <a:srgbClr val="000000"/>
               </a:solidFill>
@@ -1016,9 +1154,10 @@
           </a:ln>
         </p:spPr>
         <p:txBody>
-          <a:bodyPr lIns="0" rIns="0" tIns="0" bIns="0" anchor="t">
+          <a:bodyPr lIns="0" tIns="0" rIns="0" bIns="0" anchor="t">
             <a:normAutofit/>
           </a:bodyPr>
+          <a:lstStyle/>
           <a:p>
             <a:pPr indent="0">
               <a:spcBef>
@@ -1026,7 +1165,7 @@
               </a:spcBef>
               <a:buNone/>
             </a:pPr>
-            <a:endParaRPr b="0" lang="fr-FR" sz="1400" spc="-1" strike="noStrike">
+            <a:endParaRPr lang="fr-FR" sz="1400" b="0" strike="noStrike" spc="-1">
               <a:solidFill>
                 <a:srgbClr val="000000"/>
               </a:solidFill>
@@ -1048,20 +1187,25 @@
         <p:spPr/>
         <p:txBody>
           <a:bodyPr/>
+          <a:lstStyle/>
           <a:p>
             <a:fld id="{CFD288BB-19E9-4F63-AED1-10CCCB907180}" type="slidenum">
-              <a:t>&lt;#&gt;</a:t>
+              <a:t>‹N°›</a:t>
             </a:fld>
+            <a:endParaRPr/>
           </a:p>
         </p:txBody>
       </p:sp>
     </p:spTree>
   </p:cSld>
+  <p:clrMapOvr>
+    <a:masterClrMapping/>
+  </p:clrMapOvr>
 </p:sldLayout>
 </file>
 
 <file path=ppt/slideLayouts/slideLayout4.xml><?xml version="1.0" encoding="utf-8"?>
-<p:sldLayout xmlns:a="http://schemas.openxmlformats.org/drawingml/2006/main" xmlns:p="http://schemas.openxmlformats.org/presentationml/2006/main" xmlns:r="http://schemas.openxmlformats.org/officeDocument/2006/relationships" xmlns:p14="http://schemas.microsoft.com/office/powerpoint/2010/main" xmlns:p15="http://schemas.microsoft.com/office/powerpoint/2012/main" xmlns:mc="http://schemas.openxmlformats.org/markup-compatibility/2006" type="twoObj" preserve="1">
+<p:sldLayout xmlns:a="http://schemas.openxmlformats.org/drawingml/2006/main" xmlns:r="http://schemas.openxmlformats.org/officeDocument/2006/relationships" xmlns:p="http://schemas.openxmlformats.org/presentationml/2006/main" type="twoObj" preserve="1">
   <p:cSld name="Title, 2 Content">
     <p:spTree>
       <p:nvGrpSpPr>
@@ -1101,14 +1245,15 @@
           </a:ln>
         </p:spPr>
         <p:txBody>
-          <a:bodyPr lIns="0" rIns="0" tIns="0" bIns="0" anchor="ctr">
+          <a:bodyPr lIns="0" tIns="0" rIns="0" bIns="0" anchor="ctr">
             <a:noAutofit/>
           </a:bodyPr>
+          <a:lstStyle/>
           <a:p>
             <a:pPr indent="0">
               <a:buNone/>
             </a:pPr>
-            <a:endParaRPr b="0" lang="fr-FR" sz="1400" spc="-1" strike="noStrike">
+            <a:endParaRPr lang="fr-FR" sz="1400" b="0" strike="noStrike" spc="-1">
               <a:solidFill>
                 <a:srgbClr val="000000"/>
               </a:solidFill>
@@ -1141,9 +1286,10 @@
           </a:ln>
         </p:spPr>
         <p:txBody>
-          <a:bodyPr lIns="0" rIns="0" tIns="0" bIns="0" anchor="t">
+          <a:bodyPr lIns="0" tIns="0" rIns="0" bIns="0" anchor="t">
             <a:normAutofit/>
           </a:bodyPr>
+          <a:lstStyle/>
           <a:p>
             <a:pPr indent="0">
               <a:spcBef>
@@ -1151,7 +1297,7 @@
               </a:spcBef>
               <a:buNone/>
             </a:pPr>
-            <a:endParaRPr b="0" lang="fr-FR" sz="1400" spc="-1" strike="noStrike">
+            <a:endParaRPr lang="fr-FR" sz="1400" b="0" strike="noStrike" spc="-1">
               <a:solidFill>
                 <a:srgbClr val="000000"/>
               </a:solidFill>
@@ -1184,9 +1330,10 @@
           </a:ln>
         </p:spPr>
         <p:txBody>
-          <a:bodyPr lIns="0" rIns="0" tIns="0" bIns="0" anchor="t">
+          <a:bodyPr lIns="0" tIns="0" rIns="0" bIns="0" anchor="t">
             <a:normAutofit/>
           </a:bodyPr>
+          <a:lstStyle/>
           <a:p>
             <a:pPr indent="0">
               <a:spcBef>
@@ -1194,7 +1341,7 @@
               </a:spcBef>
               <a:buNone/>
             </a:pPr>
-            <a:endParaRPr b="0" lang="fr-FR" sz="1400" spc="-1" strike="noStrike">
+            <a:endParaRPr lang="fr-FR" sz="1400" b="0" strike="noStrike" spc="-1">
               <a:solidFill>
                 <a:srgbClr val="000000"/>
               </a:solidFill>
@@ -1216,20 +1363,25 @@
         <p:spPr/>
         <p:txBody>
           <a:bodyPr/>
+          <a:lstStyle/>
           <a:p>
             <a:fld id="{E3069D0E-A2B7-42DE-83AA-47A8FAE83843}" type="slidenum">
-              <a:t>&lt;#&gt;</a:t>
+              <a:t>‹N°›</a:t>
             </a:fld>
+            <a:endParaRPr/>
           </a:p>
         </p:txBody>
       </p:sp>
     </p:spTree>
   </p:cSld>
+  <p:clrMapOvr>
+    <a:masterClrMapping/>
+  </p:clrMapOvr>
 </p:sldLayout>
 </file>
 
 <file path=ppt/slideLayouts/slideLayout5.xml><?xml version="1.0" encoding="utf-8"?>
-<p:sldLayout xmlns:a="http://schemas.openxmlformats.org/drawingml/2006/main" xmlns:p="http://schemas.openxmlformats.org/presentationml/2006/main" xmlns:r="http://schemas.openxmlformats.org/officeDocument/2006/relationships" xmlns:p14="http://schemas.microsoft.com/office/powerpoint/2010/main" xmlns:p15="http://schemas.microsoft.com/office/powerpoint/2012/main" xmlns:mc="http://schemas.openxmlformats.org/markup-compatibility/2006" type="titleOnly" preserve="1">
+<p:sldLayout xmlns:a="http://schemas.openxmlformats.org/drawingml/2006/main" xmlns:r="http://schemas.openxmlformats.org/officeDocument/2006/relationships" xmlns:p="http://schemas.openxmlformats.org/presentationml/2006/main" type="titleOnly" preserve="1">
   <p:cSld name="Title Only">
     <p:spTree>
       <p:nvGrpSpPr>
@@ -1269,14 +1421,15 @@
           </a:ln>
         </p:spPr>
         <p:txBody>
-          <a:bodyPr lIns="0" rIns="0" tIns="0" bIns="0" anchor="ctr">
+          <a:bodyPr lIns="0" tIns="0" rIns="0" bIns="0" anchor="ctr">
             <a:noAutofit/>
           </a:bodyPr>
+          <a:lstStyle/>
           <a:p>
             <a:pPr indent="0">
               <a:buNone/>
             </a:pPr>
-            <a:endParaRPr b="0" lang="fr-FR" sz="1400" spc="-1" strike="noStrike">
+            <a:endParaRPr lang="fr-FR" sz="1400" b="0" strike="noStrike" spc="-1">
               <a:solidFill>
                 <a:srgbClr val="000000"/>
               </a:solidFill>
@@ -1298,20 +1451,25 @@
         <p:spPr/>
         <p:txBody>
           <a:bodyPr/>
+          <a:lstStyle/>
           <a:p>
             <a:fld id="{9AAD63ED-1327-44B2-9BCC-37B8E9A13D3E}" type="slidenum">
-              <a:t>&lt;#&gt;</a:t>
+              <a:t>‹N°›</a:t>
             </a:fld>
+            <a:endParaRPr/>
           </a:p>
         </p:txBody>
       </p:sp>
     </p:spTree>
   </p:cSld>
+  <p:clrMapOvr>
+    <a:masterClrMapping/>
+  </p:clrMapOvr>
 </p:sldLayout>
 </file>
 
 <file path=ppt/slideLayouts/slideLayout6.xml><?xml version="1.0" encoding="utf-8"?>
-<p:sldLayout xmlns:a="http://schemas.openxmlformats.org/drawingml/2006/main" xmlns:p="http://schemas.openxmlformats.org/presentationml/2006/main" xmlns:r="http://schemas.openxmlformats.org/officeDocument/2006/relationships" xmlns:p14="http://schemas.microsoft.com/office/powerpoint/2010/main" xmlns:p15="http://schemas.microsoft.com/office/powerpoint/2012/main" xmlns:mc="http://schemas.openxmlformats.org/markup-compatibility/2006" type="objOnly" preserve="1">
+<p:sldLayout xmlns:a="http://schemas.openxmlformats.org/drawingml/2006/main" xmlns:r="http://schemas.openxmlformats.org/officeDocument/2006/relationships" xmlns:p="http://schemas.openxmlformats.org/presentationml/2006/main" type="objOnly" preserve="1">
   <p:cSld name="Centered Text">
     <p:spTree>
       <p:nvGrpSpPr>
@@ -1351,12 +1509,13 @@
           </a:ln>
         </p:spPr>
         <p:txBody>
-          <a:bodyPr lIns="0" rIns="0" tIns="0" bIns="0" anchor="ctr">
+          <a:bodyPr lIns="0" tIns="0" rIns="0" bIns="0" anchor="ctr">
             <a:noAutofit/>
           </a:bodyPr>
+          <a:lstStyle/>
           <a:p>
             <a:pPr algn="ctr"/>
-            <a:endParaRPr b="0" lang="fr-FR" sz="3200" spc="-1" strike="noStrike">
+            <a:endParaRPr lang="fr-FR" sz="3200" b="0" strike="noStrike" spc="-1">
               <a:latin typeface="Arial"/>
             </a:endParaRPr>
           </a:p>
@@ -1375,20 +1534,25 @@
         <p:spPr/>
         <p:txBody>
           <a:bodyPr/>
+          <a:lstStyle/>
           <a:p>
             <a:fld id="{4BC3EDDF-7BD1-488E-B3CF-E0CF517527A5}" type="slidenum">
-              <a:t>&lt;#&gt;</a:t>
+              <a:t>‹N°›</a:t>
             </a:fld>
+            <a:endParaRPr/>
           </a:p>
         </p:txBody>
       </p:sp>
     </p:spTree>
   </p:cSld>
+  <p:clrMapOvr>
+    <a:masterClrMapping/>
+  </p:clrMapOvr>
 </p:sldLayout>
 </file>
 
 <file path=ppt/slideLayouts/slideLayout7.xml><?xml version="1.0" encoding="utf-8"?>
-<p:sldLayout xmlns:a="http://schemas.openxmlformats.org/drawingml/2006/main" xmlns:p="http://schemas.openxmlformats.org/presentationml/2006/main" xmlns:r="http://schemas.openxmlformats.org/officeDocument/2006/relationships" xmlns:p14="http://schemas.microsoft.com/office/powerpoint/2010/main" xmlns:p15="http://schemas.microsoft.com/office/powerpoint/2012/main" xmlns:mc="http://schemas.openxmlformats.org/markup-compatibility/2006" type="twoObjAndObj" preserve="1">
+<p:sldLayout xmlns:a="http://schemas.openxmlformats.org/drawingml/2006/main" xmlns:r="http://schemas.openxmlformats.org/officeDocument/2006/relationships" xmlns:p="http://schemas.openxmlformats.org/presentationml/2006/main" type="twoObjAndObj" preserve="1">
   <p:cSld name="Title, 2 Content and Content">
     <p:spTree>
       <p:nvGrpSpPr>
@@ -1428,14 +1592,15 @@
           </a:ln>
         </p:spPr>
         <p:txBody>
-          <a:bodyPr lIns="0" rIns="0" tIns="0" bIns="0" anchor="ctr">
+          <a:bodyPr lIns="0" tIns="0" rIns="0" bIns="0" anchor="ctr">
             <a:noAutofit/>
           </a:bodyPr>
+          <a:lstStyle/>
           <a:p>
             <a:pPr indent="0">
               <a:buNone/>
             </a:pPr>
-            <a:endParaRPr b="0" lang="fr-FR" sz="1400" spc="-1" strike="noStrike">
+            <a:endParaRPr lang="fr-FR" sz="1400" b="0" strike="noStrike" spc="-1">
               <a:solidFill>
                 <a:srgbClr val="000000"/>
               </a:solidFill>
@@ -1468,9 +1633,10 @@
           </a:ln>
         </p:spPr>
         <p:txBody>
-          <a:bodyPr lIns="0" rIns="0" tIns="0" bIns="0" anchor="t">
+          <a:bodyPr lIns="0" tIns="0" rIns="0" bIns="0" anchor="t">
             <a:normAutofit/>
           </a:bodyPr>
+          <a:lstStyle/>
           <a:p>
             <a:pPr indent="0">
               <a:spcBef>
@@ -1478,7 +1644,7 @@
               </a:spcBef>
               <a:buNone/>
             </a:pPr>
-            <a:endParaRPr b="0" lang="fr-FR" sz="1400" spc="-1" strike="noStrike">
+            <a:endParaRPr lang="fr-FR" sz="1400" b="0" strike="noStrike" spc="-1">
               <a:solidFill>
                 <a:srgbClr val="000000"/>
               </a:solidFill>
@@ -1511,9 +1677,10 @@
           </a:ln>
         </p:spPr>
         <p:txBody>
-          <a:bodyPr lIns="0" rIns="0" tIns="0" bIns="0" anchor="t">
+          <a:bodyPr lIns="0" tIns="0" rIns="0" bIns="0" anchor="t">
             <a:normAutofit/>
           </a:bodyPr>
+          <a:lstStyle/>
           <a:p>
             <a:pPr indent="0">
               <a:spcBef>
@@ -1521,7 +1688,7 @@
               </a:spcBef>
               <a:buNone/>
             </a:pPr>
-            <a:endParaRPr b="0" lang="fr-FR" sz="1400" spc="-1" strike="noStrike">
+            <a:endParaRPr lang="fr-FR" sz="1400" b="0" strike="noStrike" spc="-1">
               <a:solidFill>
                 <a:srgbClr val="000000"/>
               </a:solidFill>
@@ -1554,9 +1721,10 @@
           </a:ln>
         </p:spPr>
         <p:txBody>
-          <a:bodyPr lIns="0" rIns="0" tIns="0" bIns="0" anchor="t">
+          <a:bodyPr lIns="0" tIns="0" rIns="0" bIns="0" anchor="t">
             <a:normAutofit/>
           </a:bodyPr>
+          <a:lstStyle/>
           <a:p>
             <a:pPr indent="0">
               <a:spcBef>
@@ -1564,7 +1732,7 @@
               </a:spcBef>
               <a:buNone/>
             </a:pPr>
-            <a:endParaRPr b="0" lang="fr-FR" sz="1400" spc="-1" strike="noStrike">
+            <a:endParaRPr lang="fr-FR" sz="1400" b="0" strike="noStrike" spc="-1">
               <a:solidFill>
                 <a:srgbClr val="000000"/>
               </a:solidFill>
@@ -1586,20 +1754,25 @@
         <p:spPr/>
         <p:txBody>
           <a:bodyPr/>
+          <a:lstStyle/>
           <a:p>
             <a:fld id="{180AED0E-471A-4CAA-A195-6C9E9AB62589}" type="slidenum">
-              <a:t>&lt;#&gt;</a:t>
+              <a:t>‹N°›</a:t>
             </a:fld>
+            <a:endParaRPr/>
           </a:p>
         </p:txBody>
       </p:sp>
     </p:spTree>
   </p:cSld>
+  <p:clrMapOvr>
+    <a:masterClrMapping/>
+  </p:clrMapOvr>
 </p:sldLayout>
 </file>
 
 <file path=ppt/slideLayouts/slideLayout8.xml><?xml version="1.0" encoding="utf-8"?>
-<p:sldLayout xmlns:a="http://schemas.openxmlformats.org/drawingml/2006/main" xmlns:p="http://schemas.openxmlformats.org/presentationml/2006/main" xmlns:r="http://schemas.openxmlformats.org/officeDocument/2006/relationships" xmlns:p14="http://schemas.microsoft.com/office/powerpoint/2010/main" xmlns:p15="http://schemas.microsoft.com/office/powerpoint/2012/main" xmlns:mc="http://schemas.openxmlformats.org/markup-compatibility/2006" type="objAndTwoObj" preserve="1">
+<p:sldLayout xmlns:a="http://schemas.openxmlformats.org/drawingml/2006/main" xmlns:r="http://schemas.openxmlformats.org/officeDocument/2006/relationships" xmlns:p="http://schemas.openxmlformats.org/presentationml/2006/main" type="objAndTwoObj" preserve="1">
   <p:cSld name="Title Content and 2 Content">
     <p:spTree>
       <p:nvGrpSpPr>
@@ -1639,14 +1812,15 @@
           </a:ln>
         </p:spPr>
         <p:txBody>
-          <a:bodyPr lIns="0" rIns="0" tIns="0" bIns="0" anchor="ctr">
+          <a:bodyPr lIns="0" tIns="0" rIns="0" bIns="0" anchor="ctr">
             <a:noAutofit/>
           </a:bodyPr>
+          <a:lstStyle/>
           <a:p>
             <a:pPr indent="0">
               <a:buNone/>
             </a:pPr>
-            <a:endParaRPr b="0" lang="fr-FR" sz="1400" spc="-1" strike="noStrike">
+            <a:endParaRPr lang="fr-FR" sz="1400" b="0" strike="noStrike" spc="-1">
               <a:solidFill>
                 <a:srgbClr val="000000"/>
               </a:solidFill>
@@ -1679,9 +1853,10 @@
           </a:ln>
         </p:spPr>
         <p:txBody>
-          <a:bodyPr lIns="0" rIns="0" tIns="0" bIns="0" anchor="t">
+          <a:bodyPr lIns="0" tIns="0" rIns="0" bIns="0" anchor="t">
             <a:normAutofit/>
           </a:bodyPr>
+          <a:lstStyle/>
           <a:p>
             <a:pPr indent="0">
               <a:spcBef>
@@ -1689,7 +1864,7 @@
               </a:spcBef>
               <a:buNone/>
             </a:pPr>
-            <a:endParaRPr b="0" lang="fr-FR" sz="1400" spc="-1" strike="noStrike">
+            <a:endParaRPr lang="fr-FR" sz="1400" b="0" strike="noStrike" spc="-1">
               <a:solidFill>
                 <a:srgbClr val="000000"/>
               </a:solidFill>
@@ -1722,9 +1897,10 @@
           </a:ln>
         </p:spPr>
         <p:txBody>
-          <a:bodyPr lIns="0" rIns="0" tIns="0" bIns="0" anchor="t">
+          <a:bodyPr lIns="0" tIns="0" rIns="0" bIns="0" anchor="t">
             <a:normAutofit/>
           </a:bodyPr>
+          <a:lstStyle/>
           <a:p>
             <a:pPr indent="0">
               <a:spcBef>
@@ -1732,7 +1908,7 @@
               </a:spcBef>
               <a:buNone/>
             </a:pPr>
-            <a:endParaRPr b="0" lang="fr-FR" sz="1400" spc="-1" strike="noStrike">
+            <a:endParaRPr lang="fr-FR" sz="1400" b="0" strike="noStrike" spc="-1">
               <a:solidFill>
                 <a:srgbClr val="000000"/>
               </a:solidFill>
@@ -1765,9 +1941,10 @@
           </a:ln>
         </p:spPr>
         <p:txBody>
-          <a:bodyPr lIns="0" rIns="0" tIns="0" bIns="0" anchor="t">
+          <a:bodyPr lIns="0" tIns="0" rIns="0" bIns="0" anchor="t">
             <a:normAutofit/>
           </a:bodyPr>
+          <a:lstStyle/>
           <a:p>
             <a:pPr indent="0">
               <a:spcBef>
@@ -1775,7 +1952,7 @@
               </a:spcBef>
               <a:buNone/>
             </a:pPr>
-            <a:endParaRPr b="0" lang="fr-FR" sz="1400" spc="-1" strike="noStrike">
+            <a:endParaRPr lang="fr-FR" sz="1400" b="0" strike="noStrike" spc="-1">
               <a:solidFill>
                 <a:srgbClr val="000000"/>
               </a:solidFill>
@@ -1797,20 +1974,25 @@
         <p:spPr/>
         <p:txBody>
           <a:bodyPr/>
+          <a:lstStyle/>
           <a:p>
             <a:fld id="{566BF32E-68E1-4011-8619-1DF67DE9AC49}" type="slidenum">
-              <a:t>&lt;#&gt;</a:t>
+              <a:t>‹N°›</a:t>
             </a:fld>
+            <a:endParaRPr/>
           </a:p>
         </p:txBody>
       </p:sp>
     </p:spTree>
   </p:cSld>
+  <p:clrMapOvr>
+    <a:masterClrMapping/>
+  </p:clrMapOvr>
 </p:sldLayout>
 </file>
 
 <file path=ppt/slideLayouts/slideLayout9.xml><?xml version="1.0" encoding="utf-8"?>
-<p:sldLayout xmlns:a="http://schemas.openxmlformats.org/drawingml/2006/main" xmlns:p="http://schemas.openxmlformats.org/presentationml/2006/main" xmlns:r="http://schemas.openxmlformats.org/officeDocument/2006/relationships" xmlns:p14="http://schemas.microsoft.com/office/powerpoint/2010/main" xmlns:p15="http://schemas.microsoft.com/office/powerpoint/2012/main" xmlns:mc="http://schemas.openxmlformats.org/markup-compatibility/2006" type="twoObjOverTx" preserve="1">
+<p:sldLayout xmlns:a="http://schemas.openxmlformats.org/drawingml/2006/main" xmlns:r="http://schemas.openxmlformats.org/officeDocument/2006/relationships" xmlns:p="http://schemas.openxmlformats.org/presentationml/2006/main" type="twoObjOverTx" preserve="1">
   <p:cSld name="Title, 2 Content over Content">
     <p:spTree>
       <p:nvGrpSpPr>
@@ -1850,14 +2032,15 @@
           </a:ln>
         </p:spPr>
         <p:txBody>
-          <a:bodyPr lIns="0" rIns="0" tIns="0" bIns="0" anchor="ctr">
+          <a:bodyPr lIns="0" tIns="0" rIns="0" bIns="0" anchor="ctr">
             <a:noAutofit/>
           </a:bodyPr>
+          <a:lstStyle/>
           <a:p>
             <a:pPr indent="0">
               <a:buNone/>
             </a:pPr>
-            <a:endParaRPr b="0" lang="fr-FR" sz="1400" spc="-1" strike="noStrike">
+            <a:endParaRPr lang="fr-FR" sz="1400" b="0" strike="noStrike" spc="-1">
               <a:solidFill>
                 <a:srgbClr val="000000"/>
               </a:solidFill>
@@ -1890,9 +2073,10 @@
           </a:ln>
         </p:spPr>
         <p:txBody>
-          <a:bodyPr lIns="0" rIns="0" tIns="0" bIns="0" anchor="t">
+          <a:bodyPr lIns="0" tIns="0" rIns="0" bIns="0" anchor="t">
             <a:normAutofit/>
           </a:bodyPr>
+          <a:lstStyle/>
           <a:p>
             <a:pPr indent="0">
               <a:spcBef>
@@ -1900,7 +2084,7 @@
               </a:spcBef>
               <a:buNone/>
             </a:pPr>
-            <a:endParaRPr b="0" lang="fr-FR" sz="1400" spc="-1" strike="noStrike">
+            <a:endParaRPr lang="fr-FR" sz="1400" b="0" strike="noStrike" spc="-1">
               <a:solidFill>
                 <a:srgbClr val="000000"/>
               </a:solidFill>
@@ -1933,9 +2117,10 @@
           </a:ln>
         </p:spPr>
         <p:txBody>
-          <a:bodyPr lIns="0" rIns="0" tIns="0" bIns="0" anchor="t">
+          <a:bodyPr lIns="0" tIns="0" rIns="0" bIns="0" anchor="t">
             <a:normAutofit/>
           </a:bodyPr>
+          <a:lstStyle/>
           <a:p>
             <a:pPr indent="0">
               <a:spcBef>
@@ -1943,7 +2128,7 @@
               </a:spcBef>
               <a:buNone/>
             </a:pPr>
-            <a:endParaRPr b="0" lang="fr-FR" sz="1400" spc="-1" strike="noStrike">
+            <a:endParaRPr lang="fr-FR" sz="1400" b="0" strike="noStrike" spc="-1">
               <a:solidFill>
                 <a:srgbClr val="000000"/>
               </a:solidFill>
@@ -1976,9 +2161,10 @@
           </a:ln>
         </p:spPr>
         <p:txBody>
-          <a:bodyPr lIns="0" rIns="0" tIns="0" bIns="0" anchor="t">
+          <a:bodyPr lIns="0" tIns="0" rIns="0" bIns="0" anchor="t">
             <a:normAutofit/>
           </a:bodyPr>
+          <a:lstStyle/>
           <a:p>
             <a:pPr indent="0">
               <a:spcBef>
@@ -1986,7 +2172,7 @@
               </a:spcBef>
               <a:buNone/>
             </a:pPr>
-            <a:endParaRPr b="0" lang="fr-FR" sz="1400" spc="-1" strike="noStrike">
+            <a:endParaRPr lang="fr-FR" sz="1400" b="0" strike="noStrike" spc="-1">
               <a:solidFill>
                 <a:srgbClr val="000000"/>
               </a:solidFill>
@@ -2008,26 +2194,32 @@
         <p:spPr/>
         <p:txBody>
           <a:bodyPr/>
+          <a:lstStyle/>
           <a:p>
             <a:fld id="{48ACD47A-3CB7-4EA0-A573-B15AFC275441}" type="slidenum">
-              <a:t>&lt;#&gt;</a:t>
+              <a:t>‹N°›</a:t>
             </a:fld>
+            <a:endParaRPr/>
           </a:p>
         </p:txBody>
       </p:sp>
     </p:spTree>
   </p:cSld>
+  <p:clrMapOvr>
+    <a:masterClrMapping/>
+  </p:clrMapOvr>
 </p:sldLayout>
 </file>
 
 <file path=ppt/slideMasters/slideMaster1.xml><?xml version="1.0" encoding="utf-8"?>
-<p:sldMaster xmlns:a="http://schemas.openxmlformats.org/drawingml/2006/main" xmlns:p="http://schemas.openxmlformats.org/presentationml/2006/main" xmlns:r="http://schemas.openxmlformats.org/officeDocument/2006/relationships" xmlns:p14="http://schemas.microsoft.com/office/powerpoint/2010/main" xmlns:p15="http://schemas.microsoft.com/office/powerpoint/2012/main" xmlns:mc="http://schemas.openxmlformats.org/markup-compatibility/2006">
+<p:sldMaster xmlns:a="http://schemas.openxmlformats.org/drawingml/2006/main" xmlns:r="http://schemas.openxmlformats.org/officeDocument/2006/relationships" xmlns:p="http://schemas.openxmlformats.org/presentationml/2006/main">
   <p:cSld>
     <p:bg>
       <p:bgPr>
         <a:solidFill>
           <a:schemeClr val="lt1"/>
         </a:solidFill>
+        <a:effectLst/>
       </p:bgPr>
     </p:bg>
     <p:spTree>
@@ -2046,7 +2238,7 @@
       </p:grpSpPr>
       <p:sp>
         <p:nvSpPr>
-          <p:cNvPr id="0" name="PlaceHolder 1"/>
+          <p:cNvPr id="3" name="PlaceHolder 1"/>
           <p:cNvSpPr>
             <a:spLocks noGrp="1"/>
           </p:cNvSpPr>
@@ -2071,12 +2263,13 @@
           <a:bodyPr tIns="91440" bIns="91440" anchor="b">
             <a:normAutofit/>
           </a:bodyPr>
+          <a:lstStyle/>
           <a:p>
             <a:pPr indent="0">
               <a:buNone/>
             </a:pPr>
             <a:r>
-              <a:rPr b="0" lang="fr-FR" sz="5200" spc="-1" strike="noStrike">
+              <a:rPr lang="fr-FR" sz="5200" b="0" strike="noStrike" spc="-1">
                 <a:solidFill>
                   <a:srgbClr val="000000"/>
                 </a:solidFill>
@@ -2084,18 +2277,12 @@
               </a:rPr>
               <a:t>Cliquez pour éditer le format du texte-titre</a:t>
             </a:r>
-            <a:endParaRPr b="0" lang="fr-FR" sz="5200" spc="-1" strike="noStrike">
-              <a:solidFill>
-                <a:srgbClr val="000000"/>
-              </a:solidFill>
-              <a:latin typeface="Arial"/>
-            </a:endParaRPr>
-          </a:p>
-        </p:txBody>
-      </p:sp>
-      <p:sp>
-        <p:nvSpPr>
-          <p:cNvPr id="1" name="PlaceHolder 2"/>
+          </a:p>
+        </p:txBody>
+      </p:sp>
+      <p:sp>
+        <p:nvSpPr>
+          <p:cNvPr id="4" name="PlaceHolder 2"/>
           <p:cNvSpPr>
             <a:spLocks noGrp="1"/>
           </p:cNvSpPr>
@@ -2127,9 +2314,9 @@
               </a:lnSpc>
               <a:buNone/>
               <a:tabLst>
-                <a:tab algn="l" pos="0"/>
+                <a:tab pos="0" algn="l"/>
               </a:tabLst>
-              <a:defRPr b="0" lang="fr" sz="1000" spc="-1" strike="noStrike">
+              <a:defRPr lang="fr" sz="1000" b="0" strike="noStrike" spc="-1">
                 <a:solidFill>
                   <a:schemeClr val="dk2"/>
                 </a:solidFill>
@@ -2145,20 +2332,20 @@
               </a:lnSpc>
               <a:buNone/>
               <a:tabLst>
-                <a:tab algn="l" pos="0"/>
+                <a:tab pos="0" algn="l"/>
               </a:tabLst>
             </a:pPr>
             <a:fld id="{5B62F9B7-C585-41AB-A5E8-48FF8BBD9008}" type="slidenum">
-              <a:rPr b="0" lang="fr" sz="1000" spc="-1" strike="noStrike">
+              <a:rPr lang="fr" sz="1000" b="0" strike="noStrike" spc="-1">
                 <a:solidFill>
                   <a:schemeClr val="dk2"/>
                 </a:solidFill>
                 <a:latin typeface="Arial"/>
                 <a:ea typeface="Arial"/>
               </a:rPr>
-              <a:t>&lt;numéro&gt;</a:t>
+              <a:t>‹N°›</a:t>
             </a:fld>
-            <a:endParaRPr b="0" lang="fr-FR" sz="1000" spc="-1" strike="noStrike">
+            <a:endParaRPr lang="fr-FR" sz="1000" b="0" strike="noStrike" spc="-1">
               <a:latin typeface="Times New Roman"/>
             </a:endParaRPr>
           </a:p>
@@ -2188,9 +2375,10 @@
           </a:ln>
         </p:spPr>
         <p:txBody>
-          <a:bodyPr lIns="0" rIns="0" tIns="0" bIns="0" anchor="t">
+          <a:bodyPr lIns="0" tIns="0" rIns="0" bIns="0" anchor="t">
             <a:normAutofit/>
           </a:bodyPr>
+          <a:lstStyle/>
           <a:p>
             <a:pPr marL="432000" indent="-324000">
               <a:spcBef>
@@ -2204,7 +2392,7 @@
               <a:buChar char=""/>
             </a:pPr>
             <a:r>
-              <a:rPr b="0" lang="fr-FR" sz="1400" spc="-1" strike="noStrike">
+              <a:rPr lang="fr-FR" sz="1400" b="0" strike="noStrike" spc="-1">
                 <a:solidFill>
                   <a:srgbClr val="000000"/>
                 </a:solidFill>
@@ -2212,15 +2400,9 @@
               </a:rPr>
               <a:t>Cliquez pour éditer le format du plan de texte</a:t>
             </a:r>
-            <a:endParaRPr b="0" lang="fr-FR" sz="1400" spc="-1" strike="noStrike">
-              <a:solidFill>
-                <a:srgbClr val="000000"/>
-              </a:solidFill>
-              <a:latin typeface="Arial"/>
-            </a:endParaRPr>
-          </a:p>
-          <a:p>
-            <a:pPr lvl="1" marL="864000" indent="-324000">
+          </a:p>
+          <a:p>
+            <a:pPr marL="864000" lvl="1" indent="-324000">
               <a:spcBef>
                 <a:spcPts val="1134"/>
               </a:spcBef>
@@ -2232,7 +2414,7 @@
               <a:buChar char=""/>
             </a:pPr>
             <a:r>
-              <a:rPr b="0" lang="fr-FR" sz="1400" spc="-1" strike="noStrike">
+              <a:rPr lang="fr-FR" sz="1400" b="0" strike="noStrike" spc="-1">
                 <a:solidFill>
                   <a:srgbClr val="000000"/>
                 </a:solidFill>
@@ -2240,15 +2422,9 @@
               </a:rPr>
               <a:t>Second niveau de plan</a:t>
             </a:r>
-            <a:endParaRPr b="0" lang="fr-FR" sz="1400" spc="-1" strike="noStrike">
-              <a:solidFill>
-                <a:srgbClr val="000000"/>
-              </a:solidFill>
-              <a:latin typeface="Arial"/>
-            </a:endParaRPr>
-          </a:p>
-          <a:p>
-            <a:pPr lvl="2" marL="1296000" indent="-288000">
+          </a:p>
+          <a:p>
+            <a:pPr marL="1296000" lvl="2" indent="-288000">
               <a:spcBef>
                 <a:spcPts val="850"/>
               </a:spcBef>
@@ -2260,7 +2436,7 @@
               <a:buChar char=""/>
             </a:pPr>
             <a:r>
-              <a:rPr b="0" lang="fr-FR" sz="1400" spc="-1" strike="noStrike">
+              <a:rPr lang="fr-FR" sz="1400" b="0" strike="noStrike" spc="-1">
                 <a:solidFill>
                   <a:srgbClr val="000000"/>
                 </a:solidFill>
@@ -2268,15 +2444,9 @@
               </a:rPr>
               <a:t>Troisième niveau de plan</a:t>
             </a:r>
-            <a:endParaRPr b="0" lang="fr-FR" sz="1400" spc="-1" strike="noStrike">
-              <a:solidFill>
-                <a:srgbClr val="000000"/>
-              </a:solidFill>
-              <a:latin typeface="Arial"/>
-            </a:endParaRPr>
-          </a:p>
-          <a:p>
-            <a:pPr lvl="3" marL="1728000" indent="-216000">
+          </a:p>
+          <a:p>
+            <a:pPr marL="1728000" lvl="3" indent="-216000">
               <a:spcBef>
                 <a:spcPts val="567"/>
               </a:spcBef>
@@ -2288,7 +2458,7 @@
               <a:buChar char=""/>
             </a:pPr>
             <a:r>
-              <a:rPr b="0" lang="fr-FR" sz="1400" spc="-1" strike="noStrike">
+              <a:rPr lang="fr-FR" sz="1400" b="0" strike="noStrike" spc="-1">
                 <a:solidFill>
                   <a:srgbClr val="000000"/>
                 </a:solidFill>
@@ -2296,15 +2466,9 @@
               </a:rPr>
               <a:t>Quatrième niveau de plan</a:t>
             </a:r>
-            <a:endParaRPr b="0" lang="fr-FR" sz="1400" spc="-1" strike="noStrike">
-              <a:solidFill>
-                <a:srgbClr val="000000"/>
-              </a:solidFill>
-              <a:latin typeface="Arial"/>
-            </a:endParaRPr>
-          </a:p>
-          <a:p>
-            <a:pPr lvl="4" marL="2160000" indent="-216000">
+          </a:p>
+          <a:p>
+            <a:pPr marL="2160000" lvl="4" indent="-216000">
               <a:spcBef>
                 <a:spcPts val="283"/>
               </a:spcBef>
@@ -2316,7 +2480,7 @@
               <a:buChar char=""/>
             </a:pPr>
             <a:r>
-              <a:rPr b="0" lang="fr-FR" sz="2000" spc="-1" strike="noStrike">
+              <a:rPr lang="fr-FR" sz="2000" b="0" strike="noStrike" spc="-1">
                 <a:solidFill>
                   <a:srgbClr val="000000"/>
                 </a:solidFill>
@@ -2324,15 +2488,9 @@
               </a:rPr>
               <a:t>Cinquième niveau de plan</a:t>
             </a:r>
-            <a:endParaRPr b="0" lang="fr-FR" sz="2000" spc="-1" strike="noStrike">
-              <a:solidFill>
-                <a:srgbClr val="000000"/>
-              </a:solidFill>
-              <a:latin typeface="Arial"/>
-            </a:endParaRPr>
-          </a:p>
-          <a:p>
-            <a:pPr lvl="5" marL="2592000" indent="-216000">
+          </a:p>
+          <a:p>
+            <a:pPr marL="2592000" lvl="5" indent="-216000">
               <a:spcBef>
                 <a:spcPts val="283"/>
               </a:spcBef>
@@ -2344,7 +2502,7 @@
               <a:buChar char=""/>
             </a:pPr>
             <a:r>
-              <a:rPr b="0" lang="fr-FR" sz="2000" spc="-1" strike="noStrike">
+              <a:rPr lang="fr-FR" sz="2000" b="0" strike="noStrike" spc="-1">
                 <a:solidFill>
                   <a:srgbClr val="000000"/>
                 </a:solidFill>
@@ -2352,15 +2510,9 @@
               </a:rPr>
               <a:t>Sixième niveau de plan</a:t>
             </a:r>
-            <a:endParaRPr b="0" lang="fr-FR" sz="2000" spc="-1" strike="noStrike">
-              <a:solidFill>
-                <a:srgbClr val="000000"/>
-              </a:solidFill>
-              <a:latin typeface="Arial"/>
-            </a:endParaRPr>
-          </a:p>
-          <a:p>
-            <a:pPr lvl="6" marL="3024000" indent="-216000">
+          </a:p>
+          <a:p>
+            <a:pPr marL="3024000" lvl="6" indent="-216000">
               <a:spcBef>
                 <a:spcPts val="283"/>
               </a:spcBef>
@@ -2372,7 +2524,7 @@
               <a:buChar char=""/>
             </a:pPr>
             <a:r>
-              <a:rPr b="0" lang="fr-FR" sz="2000" spc="-1" strike="noStrike">
+              <a:rPr lang="fr-FR" sz="2000" b="0" strike="noStrike" spc="-1">
                 <a:solidFill>
                   <a:srgbClr val="000000"/>
                 </a:solidFill>
@@ -2380,43 +2532,318 @@
               </a:rPr>
               <a:t>Septième niveau de plan</a:t>
             </a:r>
-            <a:endParaRPr b="0" lang="fr-FR" sz="2000" spc="-1" strike="noStrike">
-              <a:solidFill>
-                <a:srgbClr val="000000"/>
-              </a:solidFill>
-              <a:latin typeface="Arial"/>
-            </a:endParaRPr>
           </a:p>
         </p:txBody>
       </p:sp>
     </p:spTree>
   </p:cSld>
-  <p:clrMap bg1="lt1" bg2="lt2" tx1="dk1" tx2="dk2" accent1="accent1" accent2="accent2" accent3="accent3" accent4="accent4" accent5="accent5" accent6="accent6" hlink="hlink" folHlink="folHlink"/>
+  <p:clrMap bg1="lt1" tx1="dk1" bg2="lt2" tx2="dk2" accent1="accent1" accent2="accent2" accent3="accent3" accent4="accent4" accent5="accent5" accent6="accent6" hlink="hlink" folHlink="folHlink"/>
   <p:sldLayoutIdLst>
-    <p:sldLayoutId id="2147483649" r:id="rId2"/>
-    <p:sldLayoutId id="2147483650" r:id="rId3"/>
-    <p:sldLayoutId id="2147483651" r:id="rId4"/>
-    <p:sldLayoutId id="2147483652" r:id="rId5"/>
-    <p:sldLayoutId id="2147483653" r:id="rId6"/>
-    <p:sldLayoutId id="2147483654" r:id="rId7"/>
-    <p:sldLayoutId id="2147483655" r:id="rId8"/>
-    <p:sldLayoutId id="2147483656" r:id="rId9"/>
-    <p:sldLayoutId id="2147483657" r:id="rId10"/>
-    <p:sldLayoutId id="2147483658" r:id="rId11"/>
-    <p:sldLayoutId id="2147483659" r:id="rId12"/>
-    <p:sldLayoutId id="2147483660" r:id="rId13"/>
+    <p:sldLayoutId id="2147483649" r:id="rId1"/>
+    <p:sldLayoutId id="2147483650" r:id="rId2"/>
+    <p:sldLayoutId id="2147483651" r:id="rId3"/>
+    <p:sldLayoutId id="2147483652" r:id="rId4"/>
+    <p:sldLayoutId id="2147483653" r:id="rId5"/>
+    <p:sldLayoutId id="2147483654" r:id="rId6"/>
+    <p:sldLayoutId id="2147483655" r:id="rId7"/>
+    <p:sldLayoutId id="2147483656" r:id="rId8"/>
+    <p:sldLayoutId id="2147483657" r:id="rId9"/>
+    <p:sldLayoutId id="2147483658" r:id="rId10"/>
+    <p:sldLayoutId id="2147483659" r:id="rId11"/>
+    <p:sldLayoutId id="2147483660" r:id="rId12"/>
   </p:sldLayoutIdLst>
+  <p:txStyles>
+    <p:titleStyle>
+      <a:lvl1pPr algn="l" defTabSz="914400" rtl="0" eaLnBrk="1" latinLnBrk="0" hangingPunct="1">
+        <a:lnSpc>
+          <a:spcPct val="90000"/>
+        </a:lnSpc>
+        <a:spcBef>
+          <a:spcPct val="0"/>
+        </a:spcBef>
+        <a:buNone/>
+        <a:defRPr sz="4400" kern="1200">
+          <a:solidFill>
+            <a:schemeClr val="tx1"/>
+          </a:solidFill>
+          <a:latin typeface="+mj-lt"/>
+          <a:ea typeface="+mj-ea"/>
+          <a:cs typeface="+mj-cs"/>
+        </a:defRPr>
+      </a:lvl1pPr>
+    </p:titleStyle>
+    <p:bodyStyle>
+      <a:lvl1pPr marL="228600" indent="-228600" algn="l" defTabSz="914400" rtl="0" eaLnBrk="1" latinLnBrk="0" hangingPunct="1">
+        <a:lnSpc>
+          <a:spcPct val="90000"/>
+        </a:lnSpc>
+        <a:spcBef>
+          <a:spcPts val="1000"/>
+        </a:spcBef>
+        <a:buFont typeface="Arial" panose="020B0604020202020204" pitchFamily="34" charset="0"/>
+        <a:buChar char="•"/>
+        <a:defRPr sz="2800" kern="1200">
+          <a:solidFill>
+            <a:schemeClr val="tx1"/>
+          </a:solidFill>
+          <a:latin typeface="+mn-lt"/>
+          <a:ea typeface="+mn-ea"/>
+          <a:cs typeface="+mn-cs"/>
+        </a:defRPr>
+      </a:lvl1pPr>
+      <a:lvl2pPr marL="685800" indent="-228600" algn="l" defTabSz="914400" rtl="0" eaLnBrk="1" latinLnBrk="0" hangingPunct="1">
+        <a:lnSpc>
+          <a:spcPct val="90000"/>
+        </a:lnSpc>
+        <a:spcBef>
+          <a:spcPts val="500"/>
+        </a:spcBef>
+        <a:buFont typeface="Arial" panose="020B0604020202020204" pitchFamily="34" charset="0"/>
+        <a:buChar char="•"/>
+        <a:defRPr sz="2400" kern="1200">
+          <a:solidFill>
+            <a:schemeClr val="tx1"/>
+          </a:solidFill>
+          <a:latin typeface="+mn-lt"/>
+          <a:ea typeface="+mn-ea"/>
+          <a:cs typeface="+mn-cs"/>
+        </a:defRPr>
+      </a:lvl2pPr>
+      <a:lvl3pPr marL="1143000" indent="-228600" algn="l" defTabSz="914400" rtl="0" eaLnBrk="1" latinLnBrk="0" hangingPunct="1">
+        <a:lnSpc>
+          <a:spcPct val="90000"/>
+        </a:lnSpc>
+        <a:spcBef>
+          <a:spcPts val="500"/>
+        </a:spcBef>
+        <a:buFont typeface="Arial" panose="020B0604020202020204" pitchFamily="34" charset="0"/>
+        <a:buChar char="•"/>
+        <a:defRPr sz="2000" kern="1200">
+          <a:solidFill>
+            <a:schemeClr val="tx1"/>
+          </a:solidFill>
+          <a:latin typeface="+mn-lt"/>
+          <a:ea typeface="+mn-ea"/>
+          <a:cs typeface="+mn-cs"/>
+        </a:defRPr>
+      </a:lvl3pPr>
+      <a:lvl4pPr marL="1600200" indent="-228600" algn="l" defTabSz="914400" rtl="0" eaLnBrk="1" latinLnBrk="0" hangingPunct="1">
+        <a:lnSpc>
+          <a:spcPct val="90000"/>
+        </a:lnSpc>
+        <a:spcBef>
+          <a:spcPts val="500"/>
+        </a:spcBef>
+        <a:buFont typeface="Arial" panose="020B0604020202020204" pitchFamily="34" charset="0"/>
+        <a:buChar char="•"/>
+        <a:defRPr sz="1800" kern="1200">
+          <a:solidFill>
+            <a:schemeClr val="tx1"/>
+          </a:solidFill>
+          <a:latin typeface="+mn-lt"/>
+          <a:ea typeface="+mn-ea"/>
+          <a:cs typeface="+mn-cs"/>
+        </a:defRPr>
+      </a:lvl4pPr>
+      <a:lvl5pPr marL="2057400" indent="-228600" algn="l" defTabSz="914400" rtl="0" eaLnBrk="1" latinLnBrk="0" hangingPunct="1">
+        <a:lnSpc>
+          <a:spcPct val="90000"/>
+        </a:lnSpc>
+        <a:spcBef>
+          <a:spcPts val="500"/>
+        </a:spcBef>
+        <a:buFont typeface="Arial" panose="020B0604020202020204" pitchFamily="34" charset="0"/>
+        <a:buChar char="•"/>
+        <a:defRPr sz="1800" kern="1200">
+          <a:solidFill>
+            <a:schemeClr val="tx1"/>
+          </a:solidFill>
+          <a:latin typeface="+mn-lt"/>
+          <a:ea typeface="+mn-ea"/>
+          <a:cs typeface="+mn-cs"/>
+        </a:defRPr>
+      </a:lvl5pPr>
+      <a:lvl6pPr marL="2514600" indent="-228600" algn="l" defTabSz="914400" rtl="0" eaLnBrk="1" latinLnBrk="0" hangingPunct="1">
+        <a:lnSpc>
+          <a:spcPct val="90000"/>
+        </a:lnSpc>
+        <a:spcBef>
+          <a:spcPts val="500"/>
+        </a:spcBef>
+        <a:buFont typeface="Arial" panose="020B0604020202020204" pitchFamily="34" charset="0"/>
+        <a:buChar char="•"/>
+        <a:defRPr sz="1800" kern="1200">
+          <a:solidFill>
+            <a:schemeClr val="tx1"/>
+          </a:solidFill>
+          <a:latin typeface="+mn-lt"/>
+          <a:ea typeface="+mn-ea"/>
+          <a:cs typeface="+mn-cs"/>
+        </a:defRPr>
+      </a:lvl6pPr>
+      <a:lvl7pPr marL="2971800" indent="-228600" algn="l" defTabSz="914400" rtl="0" eaLnBrk="1" latinLnBrk="0" hangingPunct="1">
+        <a:lnSpc>
+          <a:spcPct val="90000"/>
+        </a:lnSpc>
+        <a:spcBef>
+          <a:spcPts val="500"/>
+        </a:spcBef>
+        <a:buFont typeface="Arial" panose="020B0604020202020204" pitchFamily="34" charset="0"/>
+        <a:buChar char="•"/>
+        <a:defRPr sz="1800" kern="1200">
+          <a:solidFill>
+            <a:schemeClr val="tx1"/>
+          </a:solidFill>
+          <a:latin typeface="+mn-lt"/>
+          <a:ea typeface="+mn-ea"/>
+          <a:cs typeface="+mn-cs"/>
+        </a:defRPr>
+      </a:lvl7pPr>
+      <a:lvl8pPr marL="3429000" indent="-228600" algn="l" defTabSz="914400" rtl="0" eaLnBrk="1" latinLnBrk="0" hangingPunct="1">
+        <a:lnSpc>
+          <a:spcPct val="90000"/>
+        </a:lnSpc>
+        <a:spcBef>
+          <a:spcPts val="500"/>
+        </a:spcBef>
+        <a:buFont typeface="Arial" panose="020B0604020202020204" pitchFamily="34" charset="0"/>
+        <a:buChar char="•"/>
+        <a:defRPr sz="1800" kern="1200">
+          <a:solidFill>
+            <a:schemeClr val="tx1"/>
+          </a:solidFill>
+          <a:latin typeface="+mn-lt"/>
+          <a:ea typeface="+mn-ea"/>
+          <a:cs typeface="+mn-cs"/>
+        </a:defRPr>
+      </a:lvl8pPr>
+      <a:lvl9pPr marL="3886200" indent="-228600" algn="l" defTabSz="914400" rtl="0" eaLnBrk="1" latinLnBrk="0" hangingPunct="1">
+        <a:lnSpc>
+          <a:spcPct val="90000"/>
+        </a:lnSpc>
+        <a:spcBef>
+          <a:spcPts val="500"/>
+        </a:spcBef>
+        <a:buFont typeface="Arial" panose="020B0604020202020204" pitchFamily="34" charset="0"/>
+        <a:buChar char="•"/>
+        <a:defRPr sz="1800" kern="1200">
+          <a:solidFill>
+            <a:schemeClr val="tx1"/>
+          </a:solidFill>
+          <a:latin typeface="+mn-lt"/>
+          <a:ea typeface="+mn-ea"/>
+          <a:cs typeface="+mn-cs"/>
+        </a:defRPr>
+      </a:lvl9pPr>
+    </p:bodyStyle>
+    <p:otherStyle>
+      <a:defPPr>
+        <a:defRPr lang="fr-FR"/>
+      </a:defPPr>
+      <a:lvl1pPr marL="0" algn="l" defTabSz="914400" rtl="0" eaLnBrk="1" latinLnBrk="0" hangingPunct="1">
+        <a:defRPr sz="1800" kern="1200">
+          <a:solidFill>
+            <a:schemeClr val="tx1"/>
+          </a:solidFill>
+          <a:latin typeface="+mn-lt"/>
+          <a:ea typeface="+mn-ea"/>
+          <a:cs typeface="+mn-cs"/>
+        </a:defRPr>
+      </a:lvl1pPr>
+      <a:lvl2pPr marL="457200" algn="l" defTabSz="914400" rtl="0" eaLnBrk="1" latinLnBrk="0" hangingPunct="1">
+        <a:defRPr sz="1800" kern="1200">
+          <a:solidFill>
+            <a:schemeClr val="tx1"/>
+          </a:solidFill>
+          <a:latin typeface="+mn-lt"/>
+          <a:ea typeface="+mn-ea"/>
+          <a:cs typeface="+mn-cs"/>
+        </a:defRPr>
+      </a:lvl2pPr>
+      <a:lvl3pPr marL="914400" algn="l" defTabSz="914400" rtl="0" eaLnBrk="1" latinLnBrk="0" hangingPunct="1">
+        <a:defRPr sz="1800" kern="1200">
+          <a:solidFill>
+            <a:schemeClr val="tx1"/>
+          </a:solidFill>
+          <a:latin typeface="+mn-lt"/>
+          <a:ea typeface="+mn-ea"/>
+          <a:cs typeface="+mn-cs"/>
+        </a:defRPr>
+      </a:lvl3pPr>
+      <a:lvl4pPr marL="1371600" algn="l" defTabSz="914400" rtl="0" eaLnBrk="1" latinLnBrk="0" hangingPunct="1">
+        <a:defRPr sz="1800" kern="1200">
+          <a:solidFill>
+            <a:schemeClr val="tx1"/>
+          </a:solidFill>
+          <a:latin typeface="+mn-lt"/>
+          <a:ea typeface="+mn-ea"/>
+          <a:cs typeface="+mn-cs"/>
+        </a:defRPr>
+      </a:lvl4pPr>
+      <a:lvl5pPr marL="1828800" algn="l" defTabSz="914400" rtl="0" eaLnBrk="1" latinLnBrk="0" hangingPunct="1">
+        <a:defRPr sz="1800" kern="1200">
+          <a:solidFill>
+            <a:schemeClr val="tx1"/>
+          </a:solidFill>
+          <a:latin typeface="+mn-lt"/>
+          <a:ea typeface="+mn-ea"/>
+          <a:cs typeface="+mn-cs"/>
+        </a:defRPr>
+      </a:lvl5pPr>
+      <a:lvl6pPr marL="2286000" algn="l" defTabSz="914400" rtl="0" eaLnBrk="1" latinLnBrk="0" hangingPunct="1">
+        <a:defRPr sz="1800" kern="1200">
+          <a:solidFill>
+            <a:schemeClr val="tx1"/>
+          </a:solidFill>
+          <a:latin typeface="+mn-lt"/>
+          <a:ea typeface="+mn-ea"/>
+          <a:cs typeface="+mn-cs"/>
+        </a:defRPr>
+      </a:lvl6pPr>
+      <a:lvl7pPr marL="2743200" algn="l" defTabSz="914400" rtl="0" eaLnBrk="1" latinLnBrk="0" hangingPunct="1">
+        <a:defRPr sz="1800" kern="1200">
+          <a:solidFill>
+            <a:schemeClr val="tx1"/>
+          </a:solidFill>
+          <a:latin typeface="+mn-lt"/>
+          <a:ea typeface="+mn-ea"/>
+          <a:cs typeface="+mn-cs"/>
+        </a:defRPr>
+      </a:lvl7pPr>
+      <a:lvl8pPr marL="3200400" algn="l" defTabSz="914400" rtl="0" eaLnBrk="1" latinLnBrk="0" hangingPunct="1">
+        <a:defRPr sz="1800" kern="1200">
+          <a:solidFill>
+            <a:schemeClr val="tx1"/>
+          </a:solidFill>
+          <a:latin typeface="+mn-lt"/>
+          <a:ea typeface="+mn-ea"/>
+          <a:cs typeface="+mn-cs"/>
+        </a:defRPr>
+      </a:lvl8pPr>
+      <a:lvl9pPr marL="3657600" algn="l" defTabSz="914400" rtl="0" eaLnBrk="1" latinLnBrk="0" hangingPunct="1">
+        <a:defRPr sz="1800" kern="1200">
+          <a:solidFill>
+            <a:schemeClr val="tx1"/>
+          </a:solidFill>
+          <a:latin typeface="+mn-lt"/>
+          <a:ea typeface="+mn-ea"/>
+          <a:cs typeface="+mn-cs"/>
+        </a:defRPr>
+      </a:lvl9pPr>
+    </p:otherStyle>
+  </p:txStyles>
 </p:sldMaster>
 </file>
 
 <file path=ppt/slides/slide1.xml><?xml version="1.0" encoding="utf-8"?>
-<p:sld xmlns:a="http://schemas.openxmlformats.org/drawingml/2006/main" xmlns:p="http://schemas.openxmlformats.org/presentationml/2006/main" xmlns:r="http://schemas.openxmlformats.org/officeDocument/2006/relationships" xmlns:p14="http://schemas.microsoft.com/office/powerpoint/2010/main" xmlns:p15="http://schemas.microsoft.com/office/powerpoint/2012/main" xmlns:mc="http://schemas.openxmlformats.org/markup-compatibility/2006">
+<p:sld xmlns:a="http://schemas.openxmlformats.org/drawingml/2006/main" xmlns:r="http://schemas.openxmlformats.org/officeDocument/2006/relationships" xmlns:p="http://schemas.openxmlformats.org/presentationml/2006/main">
   <p:cSld>
     <p:bg>
       <p:bgPr>
         <a:solidFill>
           <a:schemeClr val="lt1"/>
         </a:solidFill>
+        <a:effectLst/>
       </p:bgPr>
     </p:bg>
     <p:spTree>
@@ -2450,41 +2877,48 @@
           <a:noFill/>
           <a:ln w="9525">
             <a:solidFill>
-              <a:srgbClr val="cc0000"/>
+              <a:srgbClr val="CC0000"/>
             </a:solidFill>
             <a:round/>
           </a:ln>
         </p:spPr>
         <p:style>
-          <a:lnRef idx="0"/>
-          <a:fillRef idx="0"/>
-          <a:effectRef idx="0"/>
+          <a:lnRef idx="0">
+            <a:scrgbClr r="0" g="0" b="0"/>
+          </a:lnRef>
+          <a:fillRef idx="0">
+            <a:scrgbClr r="0" g="0" b="0"/>
+          </a:fillRef>
+          <a:effectRef idx="0">
+            <a:scrgbClr r="0" g="0" b="0"/>
+          </a:effectRef>
           <a:fontRef idx="minor"/>
         </p:style>
         <p:txBody>
           <a:bodyPr tIns="91440" bIns="91440" anchor="t">
             <a:noAutofit/>
           </a:bodyPr>
+          <a:lstStyle/>
           <a:p>
             <a:pPr>
               <a:lnSpc>
                 <a:spcPct val="100000"/>
               </a:lnSpc>
               <a:tabLst>
-                <a:tab algn="l" pos="0"/>
+                <a:tab pos="0" algn="l"/>
               </a:tabLst>
             </a:pPr>
             <a:r>
-              <a:rPr b="1" lang="fr" sz="900" spc="-1" strike="noStrike">
+              <a:rPr lang="fr" sz="900" b="1" strike="noStrike" spc="-1" dirty="0">
                 <a:solidFill>
-                  <a:srgbClr val="cc0000"/>
+                  <a:srgbClr val="CC0000"/>
                 </a:solidFill>
                 <a:latin typeface="Open Sans"/>
                 <a:ea typeface="Open Sans"/>
               </a:rPr>
               <a:t>Besoins et problèmes</a:t>
             </a:r>
-            <a:endParaRPr b="0" lang="fr-FR" sz="900" spc="-1" strike="noStrike">
+            <a:endParaRPr lang="fr-FR" sz="900" b="0" strike="noStrike" spc="-1" dirty="0">
               <a:latin typeface="Arial"/>
             </a:endParaRPr>
           </a:p>
@@ -2494,20 +2928,20 @@
                 <a:spcPct val="100000"/>
               </a:lnSpc>
               <a:tabLst>
-                <a:tab algn="l" pos="0"/>
+                <a:tab pos="0" algn="l"/>
               </a:tabLst>
             </a:pPr>
             <a:r>
-              <a:rPr b="0" lang="fr" sz="700" spc="-1" strike="noStrike">
+              <a:rPr lang="fr" sz="700" b="0" strike="noStrike" spc="-1" dirty="0">
                 <a:solidFill>
-                  <a:srgbClr val="cc0000"/>
+                  <a:srgbClr val="CC0000"/>
                 </a:solidFill>
                 <a:latin typeface="Open Sans"/>
                 <a:ea typeface="Open Sans"/>
               </a:rPr>
               <a:t>A quel(s) besoin(s) ou problème(s)</a:t>
             </a:r>
-            <a:endParaRPr b="0" lang="fr-FR" sz="700" spc="-1" strike="noStrike">
+            <a:endParaRPr lang="fr-FR" sz="700" b="0" strike="noStrike" spc="-1" dirty="0">
               <a:latin typeface="Arial"/>
             </a:endParaRPr>
           </a:p>
@@ -2517,20 +2951,20 @@
                 <a:spcPct val="100000"/>
               </a:lnSpc>
               <a:tabLst>
-                <a:tab algn="l" pos="0"/>
+                <a:tab pos="0" algn="l"/>
               </a:tabLst>
             </a:pPr>
             <a:r>
-              <a:rPr b="0" lang="fr" sz="700" spc="-1" strike="noStrike">
+              <a:rPr lang="fr" sz="700" b="0" strike="noStrike" spc="-1" dirty="0">
                 <a:solidFill>
-                  <a:srgbClr val="cc0000"/>
+                  <a:srgbClr val="CC0000"/>
                 </a:solidFill>
                 <a:latin typeface="Open Sans"/>
                 <a:ea typeface="Open Sans"/>
               </a:rPr>
               <a:t>rencontrés par vos usagers votre solution va répondre ?</a:t>
             </a:r>
-            <a:endParaRPr b="0" lang="fr-FR" sz="700" spc="-1" strike="noStrike">
+            <a:endParaRPr lang="fr-FR" sz="700" b="0" strike="noStrike" spc="-1" dirty="0">
               <a:latin typeface="Arial"/>
             </a:endParaRPr>
           </a:p>
@@ -2553,41 +2987,48 @@
           <a:noFill/>
           <a:ln w="9525">
             <a:solidFill>
-              <a:srgbClr val="cc0000"/>
+              <a:srgbClr val="CC0000"/>
             </a:solidFill>
             <a:round/>
           </a:ln>
         </p:spPr>
         <p:style>
-          <a:lnRef idx="0"/>
-          <a:fillRef idx="0"/>
-          <a:effectRef idx="0"/>
+          <a:lnRef idx="0">
+            <a:scrgbClr r="0" g="0" b="0"/>
+          </a:lnRef>
+          <a:fillRef idx="0">
+            <a:scrgbClr r="0" g="0" b="0"/>
+          </a:fillRef>
+          <a:effectRef idx="0">
+            <a:scrgbClr r="0" g="0" b="0"/>
+          </a:effectRef>
           <a:fontRef idx="minor"/>
         </p:style>
         <p:txBody>
           <a:bodyPr tIns="91440" bIns="91440" anchor="t">
             <a:noAutofit/>
           </a:bodyPr>
+          <a:lstStyle/>
           <a:p>
             <a:pPr>
               <a:lnSpc>
                 <a:spcPct val="100000"/>
               </a:lnSpc>
               <a:tabLst>
-                <a:tab algn="l" pos="0"/>
+                <a:tab pos="0" algn="l"/>
               </a:tabLst>
             </a:pPr>
             <a:r>
-              <a:rPr b="1" lang="fr" sz="900" spc="-1" strike="noStrike">
+              <a:rPr lang="fr" sz="900" b="1" strike="noStrike" spc="-1" dirty="0">
                 <a:solidFill>
-                  <a:srgbClr val="cc0000"/>
+                  <a:srgbClr val="CC0000"/>
                 </a:solidFill>
                 <a:latin typeface="Open Sans"/>
                 <a:ea typeface="Open Sans"/>
               </a:rPr>
               <a:t>Usagers</a:t>
             </a:r>
-            <a:endParaRPr b="0" lang="fr-FR" sz="900" spc="-1" strike="noStrike">
+            <a:endParaRPr lang="fr-FR" sz="900" b="0" strike="noStrike" spc="-1" dirty="0">
               <a:latin typeface="Arial"/>
             </a:endParaRPr>
           </a:p>
@@ -2597,20 +3038,20 @@
                 <a:spcPct val="100000"/>
               </a:lnSpc>
               <a:tabLst>
-                <a:tab algn="l" pos="0"/>
+                <a:tab pos="0" algn="l"/>
               </a:tabLst>
             </a:pPr>
             <a:r>
-              <a:rPr b="0" lang="fr" sz="700" spc="-1" strike="noStrike">
+              <a:rPr lang="fr" sz="700" b="0" strike="noStrike" spc="-1" dirty="0">
                 <a:solidFill>
-                  <a:srgbClr val="cc0000"/>
+                  <a:srgbClr val="CC0000"/>
                 </a:solidFill>
                 <a:latin typeface="Open Sans"/>
                 <a:ea typeface="Open Sans"/>
               </a:rPr>
               <a:t>Quels sont les différents usagers que votre solution va cibler ? </a:t>
             </a:r>
-            <a:endParaRPr b="0" lang="fr-FR" sz="700" spc="-1" strike="noStrike">
+            <a:endParaRPr lang="fr-FR" sz="700" b="0" strike="noStrike" spc="-1" dirty="0">
               <a:latin typeface="Arial"/>
             </a:endParaRPr>
           </a:p>
@@ -2620,60 +3061,89 @@
                 <a:spcPct val="115000"/>
               </a:lnSpc>
               <a:tabLst>
-                <a:tab algn="l" pos="0"/>
+                <a:tab pos="0" algn="l"/>
               </a:tabLst>
             </a:pPr>
             <a:r>
-              <a:rPr b="1" lang="fr" sz="1000" spc="-1" strike="noStrike">
+              <a:rPr lang="fr" sz="1000" b="1" strike="noStrike" spc="-1" dirty="0">
                 <a:solidFill>
                   <a:schemeClr val="lt1"/>
                 </a:solidFill>
                 <a:latin typeface="Open Sans"/>
                 <a:ea typeface="Open Sans"/>
               </a:rPr>
-              <a:t>	</a:t>
-            </a:r>
-            <a:r>
-              <a:rPr b="1" lang="fr" sz="1000" spc="-1" strike="noStrike">
+              <a:t>				</a:t>
+            </a:r>
+            <a:endParaRPr lang="fr-FR" sz="1000" b="0" strike="noStrike" spc="-1" dirty="0">
+              <a:latin typeface="Arial"/>
+            </a:endParaRPr>
+          </a:p>
+          <a:p>
+            <a:pPr>
+              <a:lnSpc>
+                <a:spcPct val="100000"/>
+              </a:lnSpc>
+              <a:tabLst>
+                <a:tab pos="0" algn="l"/>
+              </a:tabLst>
+            </a:pPr>
+            <a:r>
+              <a:rPr lang="fr" sz="1000" b="1" strike="noStrike" spc="-1" dirty="0">
                 <a:solidFill>
                   <a:schemeClr val="lt1"/>
                 </a:solidFill>
                 <a:latin typeface="Open Sans"/>
                 <a:ea typeface="Open Sans"/>
               </a:rPr>
-              <a:t>	</a:t>
-            </a:r>
-            <a:r>
-              <a:rPr b="1" lang="fr" sz="1000" spc="-1" strike="noStrike">
+              <a:t>			</a:t>
+            </a:r>
+            <a:endParaRPr lang="fr-FR" sz="1000" b="0" strike="noStrike" spc="-1" dirty="0">
+              <a:latin typeface="Arial"/>
+            </a:endParaRPr>
+          </a:p>
+          <a:p>
+            <a:pPr>
+              <a:lnSpc>
+                <a:spcPct val="100000"/>
+              </a:lnSpc>
+              <a:tabLst>
+                <a:tab pos="0" algn="l"/>
+              </a:tabLst>
+            </a:pPr>
+            <a:r>
+              <a:rPr lang="fr" sz="1000" b="1" strike="noStrike" spc="-1" dirty="0">
                 <a:solidFill>
                   <a:schemeClr val="lt1"/>
                 </a:solidFill>
                 <a:latin typeface="Open Sans"/>
                 <a:ea typeface="Open Sans"/>
               </a:rPr>
-              <a:t>	</a:t>
-            </a:r>
-            <a:r>
-              <a:rPr b="1" lang="fr" sz="1000" spc="-1" strike="noStrike">
+              <a:t>		</a:t>
+            </a:r>
+            <a:endParaRPr lang="fr-FR" sz="1000" b="0" strike="noStrike" spc="-1" dirty="0">
+              <a:latin typeface="Arial"/>
+            </a:endParaRPr>
+          </a:p>
+          <a:p>
+            <a:pPr>
+              <a:lnSpc>
+                <a:spcPct val="100000"/>
+              </a:lnSpc>
+              <a:tabLst>
+                <a:tab pos="0" algn="l"/>
+              </a:tabLst>
+            </a:pPr>
+            <a:r>
+              <a:rPr lang="fr" sz="1000" b="1" strike="noStrike" spc="-1" dirty="0">
                 <a:solidFill>
                   <a:schemeClr val="lt1"/>
                 </a:solidFill>
                 <a:latin typeface="Open Sans"/>
                 <a:ea typeface="Open Sans"/>
               </a:rPr>
-              <a:t>	</a:t>
-            </a:r>
-            <a:r>
-              <a:rPr b="1" lang="fr" sz="1000" spc="-1" strike="noStrike">
-                <a:solidFill>
-                  <a:schemeClr val="lt1"/>
-                </a:solidFill>
-                <a:latin typeface="Open Sans"/>
-                <a:ea typeface="Open Sans"/>
-              </a:rPr>
-              <a:t>	</a:t>
-            </a:r>
-            <a:endParaRPr b="0" lang="fr-FR" sz="1000" spc="-1" strike="noStrike">
+              <a:t> clients/usagers que votre solution va cibler ?</a:t>
+            </a:r>
+            <a:endParaRPr lang="fr-FR" sz="1000" b="0" strike="noStrike" spc="-1" dirty="0">
               <a:latin typeface="Arial"/>
             </a:endParaRPr>
           </a:p>
@@ -2683,220 +3153,65 @@
                 <a:spcPct val="100000"/>
               </a:lnSpc>
               <a:tabLst>
-                <a:tab algn="l" pos="0"/>
+                <a:tab pos="0" algn="l"/>
               </a:tabLst>
             </a:pPr>
-            <a:r>
-              <a:rPr b="1" lang="fr" sz="1000" spc="-1" strike="noStrike">
-                <a:solidFill>
-                  <a:schemeClr val="lt1"/>
-                </a:solidFill>
-                <a:latin typeface="Open Sans"/>
-                <a:ea typeface="Open Sans"/>
-              </a:rPr>
-              <a:t>	</a:t>
-            </a:r>
-            <a:r>
-              <a:rPr b="1" lang="fr" sz="1000" spc="-1" strike="noStrike">
-                <a:solidFill>
-                  <a:schemeClr val="lt1"/>
-                </a:solidFill>
-                <a:latin typeface="Open Sans"/>
-                <a:ea typeface="Open Sans"/>
-              </a:rPr>
-              <a:t>	</a:t>
-            </a:r>
-            <a:r>
-              <a:rPr b="1" lang="fr" sz="1000" spc="-1" strike="noStrike">
-                <a:solidFill>
-                  <a:schemeClr val="lt1"/>
-                </a:solidFill>
-                <a:latin typeface="Open Sans"/>
-                <a:ea typeface="Open Sans"/>
-              </a:rPr>
-              <a:t>	</a:t>
-            </a:r>
-            <a:r>
-              <a:rPr b="1" lang="fr" sz="1000" spc="-1" strike="noStrike">
-                <a:solidFill>
-                  <a:schemeClr val="lt1"/>
-                </a:solidFill>
-                <a:latin typeface="Open Sans"/>
-                <a:ea typeface="Open Sans"/>
-              </a:rPr>
-              <a:t>	</a:t>
-            </a:r>
-            <a:endParaRPr b="0" lang="fr-FR" sz="1000" spc="-1" strike="noStrike">
-              <a:latin typeface="Arial"/>
-            </a:endParaRPr>
-          </a:p>
+            <a:endParaRPr lang="fr-FR" sz="1000" b="0" strike="noStrike" spc="-1" dirty="0">
+              <a:latin typeface="Arial"/>
+            </a:endParaRPr>
+          </a:p>
+        </p:txBody>
+      </p:sp>
+      <p:sp>
+        <p:nvSpPr>
+          <p:cNvPr id="41" name="Google Shape;56;p13"/>
+          <p:cNvSpPr/>
+          <p:nvPr/>
+        </p:nvSpPr>
+        <p:spPr>
+          <a:xfrm>
+            <a:off x="3641760" y="492120"/>
+            <a:ext cx="1724760" cy="4561560"/>
+          </a:xfrm>
+          <a:prstGeom prst="rect">
+            <a:avLst/>
+          </a:prstGeom>
+          <a:noFill/>
+          <a:ln w="9525">
+            <a:solidFill>
+              <a:srgbClr val="4285F4"/>
+            </a:solidFill>
+            <a:round/>
+          </a:ln>
+        </p:spPr>
+        <p:style>
+          <a:lnRef idx="0">
+            <a:scrgbClr r="0" g="0" b="0"/>
+          </a:lnRef>
+          <a:fillRef idx="0">
+            <a:scrgbClr r="0" g="0" b="0"/>
+          </a:fillRef>
+          <a:effectRef idx="0">
+            <a:scrgbClr r="0" g="0" b="0"/>
+          </a:effectRef>
+          <a:fontRef idx="minor"/>
+        </p:style>
+        <p:txBody>
+          <a:bodyPr tIns="91440" bIns="91440" anchor="t">
+            <a:noAutofit/>
+          </a:bodyPr>
+          <a:lstStyle/>
           <a:p>
             <a:pPr>
               <a:lnSpc>
                 <a:spcPct val="100000"/>
               </a:lnSpc>
               <a:tabLst>
-                <a:tab algn="l" pos="0"/>
+                <a:tab pos="0" algn="l"/>
               </a:tabLst>
             </a:pPr>
             <a:r>
-              <a:rPr b="1" lang="fr" sz="1000" spc="-1" strike="noStrike">
-                <a:solidFill>
-                  <a:schemeClr val="lt1"/>
-                </a:solidFill>
-                <a:latin typeface="Open Sans"/>
-                <a:ea typeface="Open Sans"/>
-              </a:rPr>
-              <a:t>	</a:t>
-            </a:r>
-            <a:r>
-              <a:rPr b="1" lang="fr" sz="1000" spc="-1" strike="noStrike">
-                <a:solidFill>
-                  <a:schemeClr val="lt1"/>
-                </a:solidFill>
-                <a:latin typeface="Open Sans"/>
-                <a:ea typeface="Open Sans"/>
-              </a:rPr>
-              <a:t>	</a:t>
-            </a:r>
-            <a:r>
-              <a:rPr b="1" lang="fr" sz="1000" spc="-1" strike="noStrike">
-                <a:solidFill>
-                  <a:schemeClr val="lt1"/>
-                </a:solidFill>
-                <a:latin typeface="Open Sans"/>
-                <a:ea typeface="Open Sans"/>
-              </a:rPr>
-              <a:t>	</a:t>
-            </a:r>
-            <a:endParaRPr b="0" lang="fr-FR" sz="1000" spc="-1" strike="noStrike">
-              <a:latin typeface="Arial"/>
-            </a:endParaRPr>
-          </a:p>
-          <a:p>
-            <a:pPr>
-              <a:lnSpc>
-                <a:spcPct val="100000"/>
-              </a:lnSpc>
-              <a:tabLst>
-                <a:tab algn="l" pos="0"/>
-              </a:tabLst>
-            </a:pPr>
-            <a:r>
-              <a:rPr b="1" lang="fr" sz="1000" spc="-1" strike="noStrike">
-                <a:solidFill>
-                  <a:schemeClr val="lt1"/>
-                </a:solidFill>
-                <a:latin typeface="Open Sans"/>
-                <a:ea typeface="Open Sans"/>
-              </a:rPr>
-              <a:t>	</a:t>
-            </a:r>
-            <a:r>
-              <a:rPr b="1" lang="fr" sz="1000" spc="-1" strike="noStrike">
-                <a:solidFill>
-                  <a:schemeClr val="lt1"/>
-                </a:solidFill>
-                <a:latin typeface="Open Sans"/>
-                <a:ea typeface="Open Sans"/>
-              </a:rPr>
-              <a:t>	</a:t>
-            </a:r>
-            <a:endParaRPr b="0" lang="fr-FR" sz="1000" spc="-1" strike="noStrike">
-              <a:latin typeface="Arial"/>
-            </a:endParaRPr>
-          </a:p>
-          <a:p>
-            <a:pPr>
-              <a:lnSpc>
-                <a:spcPct val="100000"/>
-              </a:lnSpc>
-              <a:tabLst>
-                <a:tab algn="l" pos="0"/>
-              </a:tabLst>
-            </a:pPr>
-            <a:r>
-              <a:rPr b="1" lang="fr" sz="1000" spc="-1" strike="noStrike">
-                <a:solidFill>
-                  <a:schemeClr val="lt1"/>
-                </a:solidFill>
-                <a:latin typeface="Open Sans"/>
-                <a:ea typeface="Open Sans"/>
-              </a:rPr>
-              <a:t> </a:t>
-            </a:r>
-            <a:r>
-              <a:rPr b="1" lang="fr" sz="1000" spc="-1" strike="noStrike">
-                <a:solidFill>
-                  <a:schemeClr val="lt1"/>
-                </a:solidFill>
-                <a:latin typeface="Open Sans"/>
-                <a:ea typeface="Open Sans"/>
-              </a:rPr>
-              <a:t>clients/usagers que votre solution va cibler ?</a:t>
-            </a:r>
-            <a:endParaRPr b="0" lang="fr-FR" sz="1000" spc="-1" strike="noStrike">
-              <a:latin typeface="Arial"/>
-            </a:endParaRPr>
-          </a:p>
-          <a:p>
-            <a:pPr>
-              <a:lnSpc>
-                <a:spcPct val="100000"/>
-              </a:lnSpc>
-              <a:tabLst>
-                <a:tab algn="l" pos="0"/>
-              </a:tabLst>
-            </a:pPr>
-            <a:endParaRPr b="0" lang="fr-FR" sz="1000" spc="-1" strike="noStrike">
-              <a:latin typeface="Arial"/>
-            </a:endParaRPr>
-          </a:p>
-        </p:txBody>
-      </p:sp>
-      <p:sp>
-        <p:nvSpPr>
-          <p:cNvPr id="41" name="Google Shape;56;p13"/>
-          <p:cNvSpPr/>
-          <p:nvPr/>
-        </p:nvSpPr>
-        <p:spPr>
-          <a:xfrm>
-            <a:off x="3641760" y="492120"/>
-            <a:ext cx="1724760" cy="4561560"/>
-          </a:xfrm>
-          <a:prstGeom prst="rect">
-            <a:avLst/>
-          </a:prstGeom>
-          <a:noFill/>
-          <a:ln w="9525">
-            <a:solidFill>
-              <a:srgbClr val="4285f4"/>
-            </a:solidFill>
-            <a:round/>
-          </a:ln>
-        </p:spPr>
-        <p:style>
-          <a:lnRef idx="0"/>
-          <a:fillRef idx="0"/>
-          <a:effectRef idx="0"/>
-          <a:fontRef idx="minor"/>
-        </p:style>
-        <p:txBody>
-          <a:bodyPr tIns="91440" bIns="91440" anchor="t">
-            <a:noAutofit/>
-          </a:bodyPr>
-          <a:p>
-            <a:pPr>
-              <a:lnSpc>
-                <a:spcPct val="100000"/>
-              </a:lnSpc>
-              <a:tabLst>
-                <a:tab algn="l" pos="0"/>
-              </a:tabLst>
-            </a:pPr>
-            <a:r>
-              <a:rPr b="1" lang="fr" sz="900" spc="-1" strike="noStrike">
+              <a:rPr lang="fr" sz="900" b="1" strike="noStrike" spc="-1" dirty="0">
                 <a:solidFill>
                   <a:schemeClr val="accent1"/>
                 </a:solidFill>
@@ -2905,7 +3220,7 @@
               </a:rPr>
               <a:t>Notre solution</a:t>
             </a:r>
-            <a:endParaRPr b="0" lang="fr-FR" sz="900" spc="-1" strike="noStrike">
+            <a:endParaRPr lang="fr-FR" sz="900" b="0" strike="noStrike" spc="-1" dirty="0">
               <a:latin typeface="Arial"/>
             </a:endParaRPr>
           </a:p>
@@ -2915,11 +3230,11 @@
                 <a:spcPct val="100000"/>
               </a:lnSpc>
               <a:tabLst>
-                <a:tab algn="l" pos="0"/>
+                <a:tab pos="0" algn="l"/>
               </a:tabLst>
             </a:pPr>
             <a:r>
-              <a:rPr b="0" lang="fr" sz="800" spc="-1" strike="noStrike">
+              <a:rPr lang="fr" sz="800" b="0" strike="noStrike" spc="-1" dirty="0">
                 <a:solidFill>
                   <a:schemeClr val="accent1"/>
                 </a:solidFill>
@@ -2928,7 +3243,7 @@
               </a:rPr>
               <a:t>Vous pouvez insérer votre logo/visuels ici. Résumez votre solution en quelques mots succincts (proposition de valeur). </a:t>
             </a:r>
-            <a:endParaRPr b="0" lang="fr-FR" sz="800" spc="-1" strike="noStrike">
+            <a:endParaRPr lang="fr-FR" sz="800" b="0" strike="noStrike" spc="-1" dirty="0">
               <a:latin typeface="Arial"/>
             </a:endParaRPr>
           </a:p>
@@ -2938,10 +3253,10 @@
                 <a:spcPct val="100000"/>
               </a:lnSpc>
               <a:tabLst>
-                <a:tab algn="l" pos="0"/>
+                <a:tab pos="0" algn="l"/>
               </a:tabLst>
             </a:pPr>
-            <a:endParaRPr b="0" lang="fr-FR" sz="900" spc="-1" strike="noStrike">
+            <a:endParaRPr lang="fr-FR" sz="900" b="0" strike="noStrike" spc="-1" dirty="0">
               <a:latin typeface="Arial"/>
             </a:endParaRPr>
           </a:p>
@@ -2964,32 +3279,39 @@
           <a:noFill/>
           <a:ln w="9525">
             <a:solidFill>
-              <a:srgbClr val="0097a7"/>
+              <a:srgbClr val="0097A7"/>
             </a:solidFill>
             <a:round/>
           </a:ln>
         </p:spPr>
         <p:style>
-          <a:lnRef idx="0"/>
-          <a:fillRef idx="0"/>
-          <a:effectRef idx="0"/>
+          <a:lnRef idx="0">
+            <a:scrgbClr r="0" g="0" b="0"/>
+          </a:lnRef>
+          <a:fillRef idx="0">
+            <a:scrgbClr r="0" g="0" b="0"/>
+          </a:fillRef>
+          <a:effectRef idx="0">
+            <a:scrgbClr r="0" g="0" b="0"/>
+          </a:effectRef>
           <a:fontRef idx="minor"/>
         </p:style>
         <p:txBody>
           <a:bodyPr tIns="91440" bIns="91440" anchor="t">
             <a:noAutofit/>
           </a:bodyPr>
+          <a:lstStyle/>
           <a:p>
             <a:pPr>
               <a:lnSpc>
                 <a:spcPct val="100000"/>
               </a:lnSpc>
               <a:tabLst>
-                <a:tab algn="l" pos="0"/>
+                <a:tab pos="0" algn="l"/>
               </a:tabLst>
             </a:pPr>
             <a:r>
-              <a:rPr b="1" lang="en-GB" sz="1000" spc="-1" strike="noStrike">
+              <a:rPr lang="en-GB" sz="1000" b="1" strike="noStrike" spc="-1">
                 <a:solidFill>
                   <a:schemeClr val="accent5"/>
                 </a:solidFill>
@@ -2998,7 +3320,7 @@
               </a:rPr>
               <a:t>Usages</a:t>
             </a:r>
-            <a:endParaRPr b="0" lang="fr-FR" sz="1000" spc="-1" strike="noStrike">
+            <a:endParaRPr lang="fr-FR" sz="1000" b="0" strike="noStrike" spc="-1">
               <a:latin typeface="Arial"/>
             </a:endParaRPr>
           </a:p>
@@ -3008,11 +3330,11 @@
                 <a:spcPct val="100000"/>
               </a:lnSpc>
               <a:tabLst>
-                <a:tab algn="l" pos="0"/>
+                <a:tab pos="0" algn="l"/>
               </a:tabLst>
             </a:pPr>
             <a:r>
-              <a:rPr b="0" lang="en-GB" sz="800" spc="-1" strike="noStrike">
+              <a:rPr lang="en-GB" sz="800" b="0" strike="noStrike" spc="-1">
                 <a:solidFill>
                   <a:schemeClr val="accent5"/>
                 </a:solidFill>
@@ -3021,7 +3343,7 @@
               </a:rPr>
               <a:t>Comment vos usagers vont-ils utiliser votre solution ? Qu’est-ce que cela changera pour eux ?</a:t>
             </a:r>
-            <a:endParaRPr b="0" lang="fr-FR" sz="800" spc="-1" strike="noStrike">
+            <a:endParaRPr lang="fr-FR" sz="800" b="0" strike="noStrike" spc="-1">
               <a:latin typeface="Arial"/>
             </a:endParaRPr>
           </a:p>
@@ -3044,32 +3366,39 @@
           <a:noFill/>
           <a:ln w="9525">
             <a:solidFill>
-              <a:srgbClr val="0097a7"/>
+              <a:srgbClr val="0097A7"/>
             </a:solidFill>
             <a:round/>
           </a:ln>
         </p:spPr>
         <p:style>
-          <a:lnRef idx="0"/>
-          <a:fillRef idx="0"/>
-          <a:effectRef idx="0"/>
+          <a:lnRef idx="0">
+            <a:scrgbClr r="0" g="0" b="0"/>
+          </a:lnRef>
+          <a:fillRef idx="0">
+            <a:scrgbClr r="0" g="0" b="0"/>
+          </a:fillRef>
+          <a:effectRef idx="0">
+            <a:scrgbClr r="0" g="0" b="0"/>
+          </a:effectRef>
           <a:fontRef idx="minor"/>
         </p:style>
         <p:txBody>
           <a:bodyPr tIns="91440" bIns="91440" anchor="t">
             <a:noAutofit/>
           </a:bodyPr>
+          <a:lstStyle/>
           <a:p>
             <a:pPr>
               <a:lnSpc>
                 <a:spcPct val="100000"/>
               </a:lnSpc>
               <a:tabLst>
-                <a:tab algn="l" pos="0"/>
+                <a:tab pos="0" algn="l"/>
               </a:tabLst>
             </a:pPr>
             <a:r>
-              <a:rPr b="1" lang="en-GB" sz="1000" spc="-1" strike="noStrike">
+              <a:rPr lang="en-GB" sz="1000" b="1" strike="noStrike" spc="-1">
                 <a:solidFill>
                   <a:schemeClr val="accent5"/>
                 </a:solidFill>
@@ -3078,7 +3407,7 @@
               </a:rPr>
               <a:t>Accès</a:t>
             </a:r>
-            <a:endParaRPr b="0" lang="fr-FR" sz="1000" spc="-1" strike="noStrike">
+            <a:endParaRPr lang="fr-FR" sz="1000" b="0" strike="noStrike" spc="-1">
               <a:latin typeface="Arial"/>
             </a:endParaRPr>
           </a:p>
@@ -3088,11 +3417,11 @@
                 <a:spcPct val="100000"/>
               </a:lnSpc>
               <a:tabLst>
-                <a:tab algn="l" pos="0"/>
+                <a:tab pos="0" algn="l"/>
               </a:tabLst>
             </a:pPr>
             <a:r>
-              <a:rPr b="0" lang="en-GB" sz="800" spc="-1" strike="noStrike">
+              <a:rPr lang="en-GB" sz="800" b="0" strike="noStrike" spc="-1">
                 <a:solidFill>
                   <a:schemeClr val="accent5"/>
                 </a:solidFill>
@@ -3101,7 +3430,7 @@
               </a:rPr>
               <a:t>Comment avez-vous optimisé le parcours utilisateur pour faciliter l’accès aux données/informations ?</a:t>
             </a:r>
-            <a:endParaRPr b="0" lang="fr-FR" sz="800" spc="-1" strike="noStrike">
+            <a:endParaRPr lang="fr-FR" sz="800" b="0" strike="noStrike" spc="-1">
               <a:latin typeface="Arial"/>
             </a:endParaRPr>
           </a:p>
@@ -3124,41 +3453,48 @@
           <a:noFill/>
           <a:ln w="9525">
             <a:solidFill>
-              <a:srgbClr val="cc0000"/>
+              <a:srgbClr val="CC0000"/>
             </a:solidFill>
             <a:round/>
           </a:ln>
         </p:spPr>
         <p:style>
-          <a:lnRef idx="0"/>
-          <a:fillRef idx="0"/>
-          <a:effectRef idx="0"/>
+          <a:lnRef idx="0">
+            <a:scrgbClr r="0" g="0" b="0"/>
+          </a:lnRef>
+          <a:fillRef idx="0">
+            <a:scrgbClr r="0" g="0" b="0"/>
+          </a:fillRef>
+          <a:effectRef idx="0">
+            <a:scrgbClr r="0" g="0" b="0"/>
+          </a:effectRef>
           <a:fontRef idx="minor"/>
         </p:style>
         <p:txBody>
           <a:bodyPr tIns="91440" bIns="91440" anchor="t">
             <a:noAutofit/>
           </a:bodyPr>
+          <a:lstStyle/>
           <a:p>
             <a:pPr>
               <a:lnSpc>
                 <a:spcPct val="100000"/>
               </a:lnSpc>
               <a:tabLst>
-                <a:tab algn="l" pos="0"/>
+                <a:tab pos="0" algn="l"/>
               </a:tabLst>
             </a:pPr>
             <a:r>
-              <a:rPr b="1" lang="fr" sz="900" spc="-1" strike="noStrike">
+              <a:rPr lang="fr" sz="900" b="1" strike="noStrike" spc="-1">
                 <a:solidFill>
-                  <a:srgbClr val="cc0000"/>
+                  <a:srgbClr val="CC0000"/>
                 </a:solidFill>
                 <a:latin typeface="Open Sans"/>
                 <a:ea typeface="Open Sans"/>
               </a:rPr>
               <a:t>Solutions existantes</a:t>
             </a:r>
-            <a:endParaRPr b="0" lang="fr-FR" sz="900" spc="-1" strike="noStrike">
+            <a:endParaRPr lang="fr-FR" sz="900" b="0" strike="noStrike" spc="-1">
               <a:latin typeface="Arial"/>
             </a:endParaRPr>
           </a:p>
@@ -3168,20 +3504,20 @@
                 <a:spcPct val="100000"/>
               </a:lnSpc>
               <a:tabLst>
-                <a:tab algn="l" pos="0"/>
+                <a:tab pos="0" algn="l"/>
               </a:tabLst>
             </a:pPr>
             <a:r>
-              <a:rPr b="0" lang="fr" sz="700" spc="-1" strike="noStrike">
+              <a:rPr lang="fr" sz="700" b="0" strike="noStrike" spc="-1">
                 <a:solidFill>
-                  <a:srgbClr val="cc0000"/>
+                  <a:srgbClr val="CC0000"/>
                 </a:solidFill>
                 <a:latin typeface="Open Sans"/>
                 <a:ea typeface="Open Sans"/>
               </a:rPr>
               <a:t>Quelle(s) solution(s) existe(nt) déjà aujourd’hui pour répondre à ces besoins ?</a:t>
             </a:r>
-            <a:endParaRPr b="0" lang="fr-FR" sz="700" spc="-1" strike="noStrike">
+            <a:endParaRPr lang="fr-FR" sz="700" b="0" strike="noStrike" spc="-1">
               <a:latin typeface="Arial"/>
             </a:endParaRPr>
           </a:p>
@@ -3191,20 +3527,20 @@
                 <a:spcPct val="100000"/>
               </a:lnSpc>
               <a:tabLst>
-                <a:tab algn="l" pos="0"/>
+                <a:tab pos="0" algn="l"/>
               </a:tabLst>
             </a:pPr>
             <a:r>
-              <a:rPr b="0" lang="fr" sz="700" spc="-1" strike="noStrike">
+              <a:rPr lang="fr" sz="700" b="0" strike="noStrike" spc="-1">
                 <a:solidFill>
-                  <a:srgbClr val="cc0000"/>
+                  <a:srgbClr val="CC0000"/>
                 </a:solidFill>
                 <a:latin typeface="Open Sans"/>
                 <a:ea typeface="Open Sans"/>
               </a:rPr>
               <a:t>En quoi votre solution est-elle différente ?</a:t>
             </a:r>
-            <a:endParaRPr b="0" lang="fr-FR" sz="700" spc="-1" strike="noStrike">
+            <a:endParaRPr lang="fr-FR" sz="700" b="0" strike="noStrike" spc="-1">
               <a:latin typeface="Arial"/>
             </a:endParaRPr>
           </a:p>
@@ -3227,32 +3563,39 @@
           <a:noFill/>
           <a:ln w="9525">
             <a:solidFill>
-              <a:srgbClr val="0097a7"/>
+              <a:srgbClr val="0097A7"/>
             </a:solidFill>
             <a:round/>
           </a:ln>
         </p:spPr>
         <p:style>
-          <a:lnRef idx="0"/>
-          <a:fillRef idx="0"/>
-          <a:effectRef idx="0"/>
+          <a:lnRef idx="0">
+            <a:scrgbClr r="0" g="0" b="0"/>
+          </a:lnRef>
+          <a:fillRef idx="0">
+            <a:scrgbClr r="0" g="0" b="0"/>
+          </a:fillRef>
+          <a:effectRef idx="0">
+            <a:scrgbClr r="0" g="0" b="0"/>
+          </a:effectRef>
           <a:fontRef idx="minor"/>
         </p:style>
         <p:txBody>
           <a:bodyPr tIns="91440" bIns="91440" anchor="t">
             <a:noAutofit/>
           </a:bodyPr>
+          <a:lstStyle/>
           <a:p>
             <a:pPr>
               <a:lnSpc>
                 <a:spcPct val="100000"/>
               </a:lnSpc>
               <a:tabLst>
-                <a:tab algn="l" pos="0"/>
+                <a:tab pos="0" algn="l"/>
               </a:tabLst>
             </a:pPr>
             <a:r>
-              <a:rPr b="1" lang="fr" sz="900" spc="-1" strike="noStrike">
+              <a:rPr lang="fr" sz="900" b="1" strike="noStrike" spc="-1">
                 <a:solidFill>
                   <a:schemeClr val="accent5"/>
                 </a:solidFill>
@@ -3261,7 +3604,7 @@
               </a:rPr>
               <a:t>Base de données</a:t>
             </a:r>
-            <a:endParaRPr b="0" lang="fr-FR" sz="900" spc="-1" strike="noStrike">
+            <a:endParaRPr lang="fr-FR" sz="900" b="0" strike="noStrike" spc="-1">
               <a:latin typeface="Arial"/>
             </a:endParaRPr>
           </a:p>
@@ -3271,11 +3614,11 @@
                 <a:spcPct val="100000"/>
               </a:lnSpc>
               <a:tabLst>
-                <a:tab algn="l" pos="0"/>
+                <a:tab pos="0" algn="l"/>
               </a:tabLst>
             </a:pPr>
             <a:r>
-              <a:rPr b="0" lang="fr" sz="700" spc="-1" strike="noStrike">
+              <a:rPr lang="fr" sz="700" b="0" strike="noStrike" spc="-1">
                 <a:solidFill>
                   <a:schemeClr val="accent5"/>
                 </a:solidFill>
@@ -3284,7 +3627,7 @@
               </a:rPr>
               <a:t>Comment allez-vous récolter et préparer votre base de données (plusieurs sources, croisement de données, etc.) ? Quels sont vos sources d’importation des donnés ?</a:t>
             </a:r>
-            <a:endParaRPr b="0" lang="fr-FR" sz="700" spc="-1" strike="noStrike">
+            <a:endParaRPr lang="fr-FR" sz="700" b="0" strike="noStrike" spc="-1">
               <a:latin typeface="Arial"/>
             </a:endParaRPr>
           </a:p>
@@ -3314,26 +3657,33 @@
           </a:ln>
         </p:spPr>
         <p:style>
-          <a:lnRef idx="0"/>
-          <a:fillRef idx="0"/>
-          <a:effectRef idx="0"/>
+          <a:lnRef idx="0">
+            <a:scrgbClr r="0" g="0" b="0"/>
+          </a:lnRef>
+          <a:fillRef idx="0">
+            <a:scrgbClr r="0" g="0" b="0"/>
+          </a:fillRef>
+          <a:effectRef idx="0">
+            <a:scrgbClr r="0" g="0" b="0"/>
+          </a:effectRef>
           <a:fontRef idx="minor"/>
         </p:style>
         <p:txBody>
           <a:bodyPr tIns="153360" bIns="153360" anchor="t">
             <a:spAutoFit/>
           </a:bodyPr>
+          <a:lstStyle/>
           <a:p>
             <a:pPr>
               <a:lnSpc>
                 <a:spcPct val="100000"/>
               </a:lnSpc>
               <a:tabLst>
-                <a:tab algn="l" pos="0"/>
+                <a:tab pos="0" algn="l"/>
               </a:tabLst>
             </a:pPr>
             <a:r>
-              <a:rPr b="0" lang="fr" sz="1000" spc="-1" strike="noStrike">
+              <a:rPr lang="fr" sz="1000" b="0" strike="noStrike" spc="-1">
                 <a:solidFill>
                   <a:srgbClr val="000000"/>
                 </a:solidFill>
@@ -3342,7 +3692,7 @@
               </a:rPr>
               <a:t>Nom du projet : Netflix</a:t>
             </a:r>
-            <a:endParaRPr b="0" lang="fr-FR" sz="1000" spc="-1" strike="noStrike">
+            <a:endParaRPr lang="fr-FR" sz="1000" b="0" strike="noStrike" spc="-1">
               <a:latin typeface="Arial"/>
             </a:endParaRPr>
           </a:p>
@@ -3372,26 +3722,33 @@
           </a:ln>
         </p:spPr>
         <p:style>
-          <a:lnRef idx="0"/>
-          <a:fillRef idx="0"/>
-          <a:effectRef idx="0"/>
+          <a:lnRef idx="0">
+            <a:scrgbClr r="0" g="0" b="0"/>
+          </a:lnRef>
+          <a:fillRef idx="0">
+            <a:scrgbClr r="0" g="0" b="0"/>
+          </a:fillRef>
+          <a:effectRef idx="0">
+            <a:scrgbClr r="0" g="0" b="0"/>
+          </a:effectRef>
           <a:fontRef idx="minor"/>
         </p:style>
         <p:txBody>
           <a:bodyPr tIns="153360" bIns="153360" anchor="t">
             <a:spAutoFit/>
           </a:bodyPr>
+          <a:lstStyle/>
           <a:p>
             <a:pPr>
               <a:lnSpc>
                 <a:spcPct val="100000"/>
               </a:lnSpc>
               <a:tabLst>
-                <a:tab algn="l" pos="0"/>
+                <a:tab pos="0" algn="l"/>
               </a:tabLst>
             </a:pPr>
             <a:r>
-              <a:rPr b="0" lang="fr" sz="1000" spc="-1" strike="noStrike">
+              <a:rPr lang="fr" sz="1000" b="0" strike="noStrike" spc="-1">
                 <a:solidFill>
                   <a:srgbClr val="000000"/>
                 </a:solidFill>
@@ -3400,7 +3757,7 @@
               </a:rPr>
               <a:t>Membres : </a:t>
             </a:r>
-            <a:endParaRPr b="0" lang="fr-FR" sz="1000" spc="-1" strike="noStrike">
+            <a:endParaRPr lang="fr-FR" sz="1000" b="0" strike="noStrike" spc="-1">
               <a:latin typeface="Arial"/>
             </a:endParaRPr>
           </a:p>
@@ -3430,26 +3787,33 @@
           </a:ln>
         </p:spPr>
         <p:style>
-          <a:lnRef idx="0"/>
-          <a:fillRef idx="0"/>
-          <a:effectRef idx="0"/>
+          <a:lnRef idx="0">
+            <a:scrgbClr r="0" g="0" b="0"/>
+          </a:lnRef>
+          <a:fillRef idx="0">
+            <a:scrgbClr r="0" g="0" b="0"/>
+          </a:fillRef>
+          <a:effectRef idx="0">
+            <a:scrgbClr r="0" g="0" b="0"/>
+          </a:effectRef>
           <a:fontRef idx="minor"/>
         </p:style>
         <p:txBody>
           <a:bodyPr tIns="153360" bIns="153360" anchor="t">
             <a:spAutoFit/>
           </a:bodyPr>
+          <a:lstStyle/>
           <a:p>
             <a:pPr>
               <a:lnSpc>
                 <a:spcPct val="100000"/>
               </a:lnSpc>
               <a:tabLst>
-                <a:tab algn="l" pos="0"/>
+                <a:tab pos="0" algn="l"/>
               </a:tabLst>
             </a:pPr>
             <a:r>
-              <a:rPr b="0" lang="fr" sz="1000" spc="-1" strike="noStrike">
+              <a:rPr lang="fr" sz="1000" b="0" strike="noStrike" spc="-1">
                 <a:solidFill>
                   <a:srgbClr val="000000"/>
                 </a:solidFill>
@@ -3458,21 +3822,21 @@
               </a:rPr>
               <a:t>Gr. 2  </a:t>
             </a:r>
-            <a:endParaRPr b="0" lang="fr-FR" sz="1000" spc="-1" strike="noStrike">
-              <a:latin typeface="Arial"/>
-            </a:endParaRPr>
-          </a:p>
-        </p:txBody>
-      </p:sp>
-      <p:sp>
-        <p:nvSpPr>
-          <p:cNvPr id="49" name=""/>
+            <a:endParaRPr lang="fr-FR" sz="1000" b="0" strike="noStrike" spc="-1">
+              <a:latin typeface="Arial"/>
+            </a:endParaRPr>
+          </a:p>
+        </p:txBody>
+      </p:sp>
+      <p:sp>
+        <p:nvSpPr>
+          <p:cNvPr id="49" name="ZoneTexte 48"/>
           <p:cNvSpPr txBox="1"/>
           <p:nvPr/>
         </p:nvSpPr>
         <p:spPr>
           <a:xfrm>
-            <a:off x="4320000" y="127800"/>
+            <a:off x="4320000" y="211320"/>
             <a:ext cx="4320000" cy="232200"/>
           </a:xfrm>
           <a:prstGeom prst="rect">
@@ -3484,32 +3848,356 @@
           </a:ln>
         </p:spPr>
         <p:txBody>
-          <a:bodyPr lIns="90000" rIns="90000" tIns="45000" bIns="45000" anchor="t">
+          <a:bodyPr lIns="90000" tIns="45000" rIns="90000" bIns="45000" anchor="t">
             <a:noAutofit/>
           </a:bodyPr>
-          <a:p>
-            <a:r>
-              <a:rPr b="0" lang="fr-FR" sz="1000" spc="-1" strike="noStrike">
+          <a:lstStyle/>
+          <a:p>
+            <a:r>
+              <a:rPr lang="fr-FR" sz="900" b="0" strike="noStrike" spc="-1" dirty="0" err="1">
                 <a:latin typeface="Arial"/>
               </a:rPr>
-              <a:t>Noa THEBAUT, Kassandra MARTIN, Joan SCHMIT-VALLES, Léa MARIE </a:t>
-            </a:r>
-            <a:endParaRPr b="0" lang="fr-FR" sz="1000" spc="-1" strike="noStrike">
-              <a:latin typeface="Arial"/>
-            </a:endParaRPr>
+              <a:t>Noa</a:t>
+            </a:r>
+            <a:r>
+              <a:rPr lang="fr-FR" sz="900" b="0" strike="noStrike" spc="-1" dirty="0">
+                <a:latin typeface="Arial"/>
+              </a:rPr>
+              <a:t> THEBAUT, Kassandra MARTIN, Joan SCHMIT-VALLES, Léa MARIE </a:t>
+            </a:r>
+          </a:p>
+        </p:txBody>
+      </p:sp>
+      <p:sp>
+        <p:nvSpPr>
+          <p:cNvPr id="2" name="ZoneTexte 1">
+            <a:extLst>
+              <a:ext uri="{FF2B5EF4-FFF2-40B4-BE49-F238E27FC236}">
+                <a16:creationId xmlns:a16="http://schemas.microsoft.com/office/drawing/2014/main" id="{4E2F8D5F-5256-8444-8DDA-38668C4D8D21}"/>
+              </a:ext>
+            </a:extLst>
+          </p:cNvPr>
+          <p:cNvSpPr txBox="1"/>
+          <p:nvPr/>
+        </p:nvSpPr>
+        <p:spPr>
+          <a:xfrm>
+            <a:off x="153681" y="1106501"/>
+            <a:ext cx="1521438" cy="830997"/>
+          </a:xfrm>
+          <a:prstGeom prst="rect">
+            <a:avLst/>
+          </a:prstGeom>
+          <a:noFill/>
+        </p:spPr>
+        <p:txBody>
+          <a:bodyPr wrap="square" rtlCol="0">
+            <a:spAutoFit/>
+          </a:bodyPr>
+          <a:lstStyle/>
+          <a:p>
+            <a:pPr algn="just"/>
+            <a:r>
+              <a:rPr lang="fr-FR" sz="800" dirty="0"/>
+              <a:t>Lorsque les usagers veulent regarder un film à plusieurs, c’est souvent difficiles de se mettre d’accord et de trouver un contenu qui contient à tous. </a:t>
+            </a:r>
+          </a:p>
+        </p:txBody>
+      </p:sp>
+      <p:sp>
+        <p:nvSpPr>
+          <p:cNvPr id="3" name="ZoneTexte 2">
+            <a:extLst>
+              <a:ext uri="{FF2B5EF4-FFF2-40B4-BE49-F238E27FC236}">
+                <a16:creationId xmlns:a16="http://schemas.microsoft.com/office/drawing/2014/main" id="{0D31DFF7-9340-D54C-BA41-C5A447B294DC}"/>
+              </a:ext>
+            </a:extLst>
+          </p:cNvPr>
+          <p:cNvSpPr txBox="1"/>
+          <p:nvPr/>
+        </p:nvSpPr>
+        <p:spPr>
+          <a:xfrm>
+            <a:off x="5563240" y="1175657"/>
+            <a:ext cx="1490703" cy="1200329"/>
+          </a:xfrm>
+          <a:prstGeom prst="rect">
+            <a:avLst/>
+          </a:prstGeom>
+          <a:noFill/>
+        </p:spPr>
+        <p:txBody>
+          <a:bodyPr wrap="square" rtlCol="0">
+            <a:spAutoFit/>
+          </a:bodyPr>
+          <a:lstStyle/>
+          <a:p>
+            <a:pPr algn="just"/>
+            <a:r>
+              <a:rPr lang="fr-FR" sz="800" dirty="0"/>
+              <a:t>Avec notre application, les critères de chacun pourront être pris en compte et une liste de films/séries aléatoire sera proposée aux utilisateurs. Les querelles entre amis pour la recherche de film/série seront donc réglées !</a:t>
+            </a:r>
+          </a:p>
+        </p:txBody>
+      </p:sp>
+      <p:sp>
+        <p:nvSpPr>
+          <p:cNvPr id="4" name="ZoneTexte 3">
+            <a:extLst>
+              <a:ext uri="{FF2B5EF4-FFF2-40B4-BE49-F238E27FC236}">
+                <a16:creationId xmlns:a16="http://schemas.microsoft.com/office/drawing/2014/main" id="{4F38E31C-66CA-7546-91FE-C94C11711ADA}"/>
+              </a:ext>
+            </a:extLst>
+          </p:cNvPr>
+          <p:cNvSpPr txBox="1"/>
+          <p:nvPr/>
+        </p:nvSpPr>
+        <p:spPr>
+          <a:xfrm>
+            <a:off x="1982481" y="1106501"/>
+            <a:ext cx="1383126" cy="954107"/>
+          </a:xfrm>
+          <a:prstGeom prst="rect">
+            <a:avLst/>
+          </a:prstGeom>
+          <a:noFill/>
+        </p:spPr>
+        <p:txBody>
+          <a:bodyPr wrap="square" rtlCol="0">
+            <a:spAutoFit/>
+          </a:bodyPr>
+          <a:lstStyle/>
+          <a:p>
+            <a:pPr algn="just"/>
+            <a:r>
+              <a:rPr lang="fr-FR" sz="800" dirty="0"/>
+              <a:t>Les usagers que notre solution va cibler sont tous les usagers qui voudraient regarder un contenu visuel proposé par </a:t>
+            </a:r>
+            <a:r>
+              <a:rPr lang="fr-FR" sz="800" dirty="0" err="1"/>
+              <a:t>Netflix</a:t>
+            </a:r>
+            <a:r>
+              <a:rPr lang="fr-FR" sz="800" dirty="0"/>
+              <a:t>, en étant plusieurs ou non.</a:t>
+            </a:r>
+          </a:p>
+        </p:txBody>
+      </p:sp>
+      <p:sp>
+        <p:nvSpPr>
+          <p:cNvPr id="12" name="ZoneTexte 11">
+            <a:extLst>
+              <a:ext uri="{FF2B5EF4-FFF2-40B4-BE49-F238E27FC236}">
+                <a16:creationId xmlns:a16="http://schemas.microsoft.com/office/drawing/2014/main" id="{BF8A0161-29D3-7C40-BCBD-717CAD39449E}"/>
+              </a:ext>
+            </a:extLst>
+          </p:cNvPr>
+          <p:cNvSpPr txBox="1"/>
+          <p:nvPr/>
+        </p:nvSpPr>
+        <p:spPr>
+          <a:xfrm>
+            <a:off x="5563240" y="3757492"/>
+            <a:ext cx="3234978" cy="1200329"/>
+          </a:xfrm>
+          <a:prstGeom prst="rect">
+            <a:avLst/>
+          </a:prstGeom>
+          <a:noFill/>
+        </p:spPr>
+        <p:txBody>
+          <a:bodyPr wrap="square" rtlCol="0">
+            <a:spAutoFit/>
+          </a:bodyPr>
+          <a:lstStyle/>
+          <a:p>
+            <a:pPr algn="just"/>
+            <a:r>
+              <a:rPr lang="fr-FR" sz="800" dirty="0"/>
+              <a:t>La base de donnés a été obtenue sur </a:t>
+            </a:r>
+            <a:r>
+              <a:rPr lang="fr-FR" sz="800" dirty="0" err="1"/>
+              <a:t>Kaggle</a:t>
+            </a:r>
+            <a:r>
+              <a:rPr lang="fr-FR" sz="800" dirty="0"/>
+              <a:t> (</a:t>
+            </a:r>
+            <a:r>
+              <a:rPr lang="fr-FR" sz="800" u="sng" dirty="0">
+                <a:hlinkClick r:id="rId2"/>
+              </a:rPr>
+              <a:t>https://www.kaggle.com/datasets/shivamb/netflix-shows</a:t>
+            </a:r>
+            <a:r>
+              <a:rPr lang="fr-FR" sz="800" dirty="0"/>
+              <a:t>).</a:t>
+            </a:r>
+          </a:p>
+          <a:p>
+            <a:pPr algn="just"/>
+            <a:r>
+              <a:rPr lang="fr-FR" sz="800" dirty="0"/>
+              <a:t>Nous sommes arrivés à trouver une base de donnés qui contient toutes les informations dont nous avons besoin, ainsi, un croisement de donnée avec d’autres bases serait inutile.</a:t>
+            </a:r>
+          </a:p>
+          <a:p>
+            <a:pPr algn="just"/>
+            <a:r>
+              <a:rPr lang="fr-FR" sz="800" dirty="0"/>
+              <a:t>Il est important de préciser que notre base de données a été sélectionnée en début de création de ce projet, ainsi les données sont celles à ce moment </a:t>
+            </a:r>
+            <a:r>
+              <a:rPr lang="fr-FR" sz="800" dirty="0" err="1"/>
+              <a:t>T</a:t>
+            </a:r>
+            <a:r>
+              <a:rPr lang="fr-FR" sz="800" dirty="0"/>
+              <a:t>, et donc la dite liste est aujourd’hui obsolète.</a:t>
+            </a:r>
+          </a:p>
+        </p:txBody>
+      </p:sp>
+      <p:sp>
+        <p:nvSpPr>
+          <p:cNvPr id="13" name="ZoneTexte 12">
+            <a:extLst>
+              <a:ext uri="{FF2B5EF4-FFF2-40B4-BE49-F238E27FC236}">
+                <a16:creationId xmlns:a16="http://schemas.microsoft.com/office/drawing/2014/main" id="{1B6DB88E-C2EC-D943-8AA7-4CAB5301D9FE}"/>
+              </a:ext>
+            </a:extLst>
+          </p:cNvPr>
+          <p:cNvSpPr txBox="1"/>
+          <p:nvPr/>
+        </p:nvSpPr>
+        <p:spPr>
+          <a:xfrm>
+            <a:off x="3757492" y="1290918"/>
+            <a:ext cx="1436915" cy="2308324"/>
+          </a:xfrm>
+          <a:prstGeom prst="rect">
+            <a:avLst/>
+          </a:prstGeom>
+          <a:noFill/>
+        </p:spPr>
+        <p:txBody>
+          <a:bodyPr wrap="square" rtlCol="0">
+            <a:spAutoFit/>
+          </a:bodyPr>
+          <a:lstStyle/>
+          <a:p>
+            <a:pPr algn="just"/>
+            <a:r>
+              <a:rPr lang="fr-FR" sz="800" dirty="0"/>
+              <a:t>La solution que l’on propose est une page web en lien avec la base de données de </a:t>
+            </a:r>
+            <a:r>
+              <a:rPr lang="fr-FR" sz="800" dirty="0" err="1"/>
+              <a:t>Netflix</a:t>
+            </a:r>
+            <a:r>
+              <a:rPr lang="fr-FR" sz="800" dirty="0"/>
+              <a:t>. Les utilisateurs peuvent saisir leurs critères selon des filtres (4 lignes de filtres différentes pour 4 utilisateurs différents). Ces filtres personnalisées vont sélectionner, sur la base de données, une liste avec 10 films/séries (max, si la liste en contient plus, 10 seront sélectionnés aléatoirement ) qui s’adapteront aux différents filtres saisis par les utilisateurs.</a:t>
+            </a:r>
+          </a:p>
+        </p:txBody>
+      </p:sp>
+      <p:sp>
+        <p:nvSpPr>
+          <p:cNvPr id="14" name="ZoneTexte 13">
+            <a:extLst>
+              <a:ext uri="{FF2B5EF4-FFF2-40B4-BE49-F238E27FC236}">
+                <a16:creationId xmlns:a16="http://schemas.microsoft.com/office/drawing/2014/main" id="{4497D84D-5B47-6948-96FF-C12480794457}"/>
+              </a:ext>
+            </a:extLst>
+          </p:cNvPr>
+          <p:cNvSpPr txBox="1"/>
+          <p:nvPr/>
+        </p:nvSpPr>
+        <p:spPr>
+          <a:xfrm>
+            <a:off x="153681" y="3757492"/>
+            <a:ext cx="3211926" cy="1600438"/>
+          </a:xfrm>
+          <a:prstGeom prst="rect">
+            <a:avLst/>
+          </a:prstGeom>
+          <a:noFill/>
+        </p:spPr>
+        <p:txBody>
+          <a:bodyPr wrap="square" rtlCol="0">
+            <a:spAutoFit/>
+          </a:bodyPr>
+          <a:lstStyle/>
+          <a:p>
+            <a:pPr algn="just"/>
+            <a:r>
+              <a:rPr lang="fr-FR" sz="800" dirty="0" err="1"/>
+              <a:t>Netflix</a:t>
+            </a:r>
+            <a:r>
+              <a:rPr lang="fr-FR" sz="800" dirty="0"/>
+              <a:t> propose en fonction de nos contenus déjà visionnés des contenus ressemblants. La plateforme propose aussi une liste en fonction d’un style (exemple : horreur).</a:t>
+            </a:r>
+          </a:p>
+          <a:p>
+            <a:pPr algn="just"/>
+            <a:r>
+              <a:rPr lang="fr-FR" sz="800" dirty="0"/>
+              <a:t>Notre solution est différente car si plusieurs personnes souhaitent regarder un film au même moment mais qu’ils n’ont pas d’idées, notre application propose une liste de films/séries en fonction des goûts de chacun. De plus, on peut considérer que l’utilisateur n’a pas aimé ses anciens films/séries visionnés, donc nous demandons directement l’envie sur le moment même aux utilisateurs.</a:t>
+            </a:r>
+            <a:endParaRPr lang="fr-FR" sz="800" dirty="0">
+              <a:effectLst/>
+            </a:endParaRPr>
+          </a:p>
+          <a:p>
+            <a:endParaRPr lang="fr-FR" dirty="0"/>
+          </a:p>
+        </p:txBody>
+      </p:sp>
+      <p:sp>
+        <p:nvSpPr>
+          <p:cNvPr id="15" name="ZoneTexte 14">
+            <a:extLst>
+              <a:ext uri="{FF2B5EF4-FFF2-40B4-BE49-F238E27FC236}">
+                <a16:creationId xmlns:a16="http://schemas.microsoft.com/office/drawing/2014/main" id="{8B463BDE-C982-8A49-887E-98D890AA1B8A}"/>
+              </a:ext>
+            </a:extLst>
+          </p:cNvPr>
+          <p:cNvSpPr txBox="1"/>
+          <p:nvPr/>
+        </p:nvSpPr>
+        <p:spPr>
+          <a:xfrm>
+            <a:off x="7415092" y="1290918"/>
+            <a:ext cx="1383126" cy="1323439"/>
+          </a:xfrm>
+          <a:prstGeom prst="rect">
+            <a:avLst/>
+          </a:prstGeom>
+          <a:noFill/>
+        </p:spPr>
+        <p:txBody>
+          <a:bodyPr wrap="square" rtlCol="0">
+            <a:spAutoFit/>
+          </a:bodyPr>
+          <a:lstStyle/>
+          <a:p>
+            <a:pPr algn="just"/>
+            <a:r>
+              <a:rPr lang="fr-FR" sz="800" dirty="0"/>
+              <a:t>Nous avons fait une liste des catégories et mots-clés dans la description des films dans la base de données afin que les utilisateurs puissent choisir directement. Ainsi, ils n’auront qu’à saisir leur critères souhaités et la liste leur sera présentée.</a:t>
+            </a:r>
           </a:p>
         </p:txBody>
       </p:sp>
     </p:spTree>
   </p:cSld>
-  <mc:AlternateContent>
-    <mc:Choice Requires="p14">
-      <p:transition spd="slow" p14:dur="2000"/>
-    </mc:Choice>
-    <mc:Fallback>
-      <p:transition spd="slow"/>
-    </mc:Fallback>
-  </mc:AlternateContent>
+  <p:clrMapOvr>
+    <a:masterClrMapping/>
+  </p:clrMapOvr>
 </p:sld>
 </file>
 
@@ -3521,37 +4209,37 @@
         <a:srgbClr val="000000"/>
       </a:dk1>
       <a:lt1>
-        <a:srgbClr val="ffffff"/>
+        <a:srgbClr val="FFFFFF"/>
       </a:lt1>
       <a:dk2>
         <a:srgbClr val="595959"/>
       </a:dk2>
       <a:lt2>
-        <a:srgbClr val="eeeeee"/>
+        <a:srgbClr val="EEEEEE"/>
       </a:lt2>
       <a:accent1>
-        <a:srgbClr val="4285f4"/>
+        <a:srgbClr val="4285F4"/>
       </a:accent1>
       <a:accent2>
         <a:srgbClr val="212121"/>
       </a:accent2>
       <a:accent3>
-        <a:srgbClr val="78909c"/>
+        <a:srgbClr val="78909C"/>
       </a:accent3>
       <a:accent4>
-        <a:srgbClr val="ffab40"/>
+        <a:srgbClr val="FFAB40"/>
       </a:accent4>
       <a:accent5>
-        <a:srgbClr val="0097a7"/>
+        <a:srgbClr val="0097A7"/>
       </a:accent5>
       <a:accent6>
-        <a:srgbClr val="eeff41"/>
+        <a:srgbClr val="EEFF41"/>
       </a:accent6>
       <a:hlink>
-        <a:srgbClr val="0097a7"/>
+        <a:srgbClr val="0097A7"/>
       </a:hlink>
       <a:folHlink>
-        <a:srgbClr val="0097a7"/>
+        <a:srgbClr val="0097A7"/>
       </a:folHlink>
     </a:clrScheme>
     <a:fontScheme name="Office">
@@ -3736,5 +4424,7 @@
       </a:bgFillStyleLst>
     </a:fmtScheme>
   </a:themeElements>
+  <a:objectDefaults/>
+  <a:extraClrSchemeLst/>
 </a:theme>
 </file>
--- a/Gr2 - Canevas - CDC.pptx
+++ b/Gr2 - Canevas - CDC.pptx
@@ -104,6 +104,11 @@
       </a:defRPr>
     </a:lvl9pPr>
   </p:defaultTextStyle>
+  <p:extLst>
+    <p:ext uri="{EFAFB233-063F-42B5-8137-9DF3F51BA10A}">
+      <p15:sldGuideLst xmlns:p15="http://schemas.microsoft.com/office/powerpoint/2012/main"/>
+    </p:ext>
+  </p:extLst>
 </p:presentation>
 </file>
 
@@ -3899,7 +3904,7 @@
             <a:pPr algn="just"/>
             <a:r>
               <a:rPr lang="fr-FR" sz="800" dirty="0"/>
-              <a:t>Lorsque les usagers veulent regarder un film à plusieurs, c’est souvent difficiles de se mettre d’accord et de trouver un contenu qui contient à tous. </a:t>
+              <a:t>Lorsque les usagers veulent regarder un film à plusieurs, c’est souvent difficiles de se mettre d’accord et de trouver un contenu qui convient à tous. </a:t>
             </a:r>
           </a:p>
         </p:txBody>
@@ -4075,7 +4080,7 @@
         <p:spPr>
           <a:xfrm>
             <a:off x="3757492" y="1290918"/>
-            <a:ext cx="1436915" cy="2308324"/>
+            <a:ext cx="1436915" cy="2923877"/>
           </a:xfrm>
           <a:prstGeom prst="rect">
             <a:avLst/>
@@ -4087,6 +4092,32 @@
             <a:spAutoFit/>
           </a:bodyPr>
           <a:lstStyle/>
+          <a:p>
+            <a:pPr algn="just"/>
+            <a:r>
+              <a:rPr lang="fr-FR" sz="800" dirty="0"/>
+              <a:t>Changer en slogan</a:t>
+            </a:r>
+          </a:p>
+          <a:p>
+            <a:pPr algn="just"/>
+            <a:r>
+              <a:rPr lang="fr-FR" sz="800" dirty="0"/>
+              <a:t>+ mettre logo</a:t>
+            </a:r>
+          </a:p>
+          <a:p>
+            <a:pPr algn="just"/>
+            <a:endParaRPr lang="fr-FR" sz="800" dirty="0"/>
+          </a:p>
+          <a:p>
+            <a:pPr algn="just"/>
+            <a:endParaRPr lang="fr-FR" sz="800" dirty="0"/>
+          </a:p>
+          <a:p>
+            <a:pPr algn="just"/>
+            <a:endParaRPr lang="fr-FR" sz="800" dirty="0"/>
+          </a:p>
           <a:p>
             <a:pPr algn="just"/>
             <a:r>
@@ -4172,7 +4203,7 @@
         <p:spPr>
           <a:xfrm>
             <a:off x="7415092" y="1290918"/>
-            <a:ext cx="1383126" cy="1323439"/>
+            <a:ext cx="1383126" cy="1692771"/>
           </a:xfrm>
           <a:prstGeom prst="rect">
             <a:avLst/>
@@ -4184,6 +4215,21 @@
             <a:spAutoFit/>
           </a:bodyPr>
           <a:lstStyle/>
+          <a:p>
+            <a:pPr algn="just"/>
+            <a:r>
+              <a:rPr lang="fr-FR" sz="800" dirty="0" err="1"/>
+              <a:t>Descrire</a:t>
+            </a:r>
+            <a:r>
+              <a:rPr lang="fr-FR" sz="800" dirty="0"/>
+              <a:t> plus comment l’utilisateur </a:t>
+            </a:r>
+          </a:p>
+          <a:p>
+            <a:pPr algn="just"/>
+            <a:endParaRPr lang="fr-FR" sz="800" dirty="0"/>
+          </a:p>
           <a:p>
             <a:pPr algn="just"/>
             <a:r>

--- a/Gr2 - Canevas - CDC.pptx
+++ b/Gr2 - Canevas - CDC.pptx
@@ -3924,7 +3924,7 @@
         <p:spPr>
           <a:xfrm>
             <a:off x="5563240" y="1175657"/>
-            <a:ext cx="1490703" cy="1200329"/>
+            <a:ext cx="1490703" cy="1692771"/>
           </a:xfrm>
           <a:prstGeom prst="rect">
             <a:avLst/>
@@ -3940,7 +3940,7 @@
             <a:pPr algn="just"/>
             <a:r>
               <a:rPr lang="fr-FR" sz="800" dirty="0"/>
-              <a:t>Avec notre application, les critères de chacun pourront être pris en compte et une liste de films/séries aléatoire sera proposée aux utilisateurs. Les querelles entre amis pour la recherche de film/série seront donc réglées !</a:t>
+              <a:t>Avec notre application, les critères de chacun pourront être pris en compte et une liste de films/séries aléatoire sera proposée aux utilisateurs. Les querelles entre amis pour la recherche de film/série seront donc réglées ! Il sera donc possible de regarder des films ensemble, ou à distance, tous en même temps.</a:t>
             </a:r>
           </a:p>
         </p:txBody>
@@ -4067,76 +4067,6 @@
       </p:sp>
       <p:sp>
         <p:nvSpPr>
-          <p:cNvPr id="13" name="ZoneTexte 12">
-            <a:extLst>
-              <a:ext uri="{FF2B5EF4-FFF2-40B4-BE49-F238E27FC236}">
-                <a16:creationId xmlns:a16="http://schemas.microsoft.com/office/drawing/2014/main" id="{1B6DB88E-C2EC-D943-8AA7-4CAB5301D9FE}"/>
-              </a:ext>
-            </a:extLst>
-          </p:cNvPr>
-          <p:cNvSpPr txBox="1"/>
-          <p:nvPr/>
-        </p:nvSpPr>
-        <p:spPr>
-          <a:xfrm>
-            <a:off x="3757492" y="1290918"/>
-            <a:ext cx="1436915" cy="2923877"/>
-          </a:xfrm>
-          <a:prstGeom prst="rect">
-            <a:avLst/>
-          </a:prstGeom>
-          <a:noFill/>
-        </p:spPr>
-        <p:txBody>
-          <a:bodyPr wrap="square" rtlCol="0">
-            <a:spAutoFit/>
-          </a:bodyPr>
-          <a:lstStyle/>
-          <a:p>
-            <a:pPr algn="just"/>
-            <a:r>
-              <a:rPr lang="fr-FR" sz="800" dirty="0"/>
-              <a:t>Changer en slogan</a:t>
-            </a:r>
-          </a:p>
-          <a:p>
-            <a:pPr algn="just"/>
-            <a:r>
-              <a:rPr lang="fr-FR" sz="800" dirty="0"/>
-              <a:t>+ mettre logo</a:t>
-            </a:r>
-          </a:p>
-          <a:p>
-            <a:pPr algn="just"/>
-            <a:endParaRPr lang="fr-FR" sz="800" dirty="0"/>
-          </a:p>
-          <a:p>
-            <a:pPr algn="just"/>
-            <a:endParaRPr lang="fr-FR" sz="800" dirty="0"/>
-          </a:p>
-          <a:p>
-            <a:pPr algn="just"/>
-            <a:endParaRPr lang="fr-FR" sz="800" dirty="0"/>
-          </a:p>
-          <a:p>
-            <a:pPr algn="just"/>
-            <a:r>
-              <a:rPr lang="fr-FR" sz="800" dirty="0"/>
-              <a:t>La solution que l’on propose est une page web en lien avec la base de données de </a:t>
-            </a:r>
-            <a:r>
-              <a:rPr lang="fr-FR" sz="800" dirty="0" err="1"/>
-              <a:t>Netflix</a:t>
-            </a:r>
-            <a:r>
-              <a:rPr lang="fr-FR" sz="800" dirty="0"/>
-              <a:t>. Les utilisateurs peuvent saisir leurs critères selon des filtres (4 lignes de filtres différentes pour 4 utilisateurs différents). Ces filtres personnalisées vont sélectionner, sur la base de données, une liste avec 10 films/séries (max, si la liste en contient plus, 10 seront sélectionnés aléatoirement ) qui s’adapteront aux différents filtres saisis par les utilisateurs.</a:t>
-            </a:r>
-          </a:p>
-        </p:txBody>
-      </p:sp>
-      <p:sp>
-        <p:nvSpPr>
           <p:cNvPr id="14" name="ZoneTexte 13">
             <a:extLst>
               <a:ext uri="{FF2B5EF4-FFF2-40B4-BE49-F238E27FC236}">
@@ -4150,7 +4080,7 @@
         <p:spPr>
           <a:xfrm>
             <a:off x="153681" y="3757492"/>
-            <a:ext cx="3211926" cy="1600438"/>
+            <a:ext cx="3211926" cy="954107"/>
           </a:xfrm>
           <a:prstGeom prst="rect">
             <a:avLst/>
@@ -4177,13 +4107,8 @@
             <a:pPr algn="just"/>
             <a:r>
               <a:rPr lang="fr-FR" sz="800" dirty="0"/>
-              <a:t>Notre solution est différente car si plusieurs personnes souhaitent regarder un film au même moment mais qu’ils n’ont pas d’idées, notre application propose une liste de films/séries en fonction des goûts de chacun. De plus, on peut considérer que l’utilisateur n’a pas aimé ses anciens films/séries visionnés, donc nous demandons directement l’envie sur le moment même aux utilisateurs.</a:t>
-            </a:r>
-            <a:endParaRPr lang="fr-FR" sz="800" dirty="0">
-              <a:effectLst/>
-            </a:endParaRPr>
-          </a:p>
-          <a:p>
+              <a:t>Notre solution est différente car si plusieurs personnes souhaitent regarder un film au même moment mais qu’ils n’ont pas d’idées, notre application propose une liste de films/séries en fonction des goûts de chacun.</a:t>
+            </a:r>
             <a:endParaRPr lang="fr-FR" dirty="0"/>
           </a:p>
         </p:txBody>
@@ -4202,8 +4127,8 @@
         </p:nvSpPr>
         <p:spPr>
           <a:xfrm>
-            <a:off x="7415092" y="1290918"/>
-            <a:ext cx="1383126" cy="1692771"/>
+            <a:off x="7415092" y="1180040"/>
+            <a:ext cx="1383126" cy="1815882"/>
           </a:xfrm>
           <a:prstGeom prst="rect">
             <a:avLst/>
@@ -4218,23 +4143,100 @@
           <a:p>
             <a:pPr algn="just"/>
             <a:r>
+              <a:rPr lang="fr-FR" sz="800" dirty="0"/>
+              <a:t>L’utilisateur n’a qu’à appuyer sur le bouton Start, rentrer ses choix à l’aide de listes déroulantes. Les critères de chacun des utilisateurs seront pris en compte dans la liste de contenus présentés. De plus, l’utilisateur se connecte afin de pouvoir garder un historique de ses visionnage.</a:t>
+            </a:r>
+          </a:p>
+          <a:p>
+            <a:pPr algn="just"/>
+            <a:r>
+              <a:rPr lang="fr-FR" sz="800" dirty="0"/>
+              <a:t>.</a:t>
+            </a:r>
+          </a:p>
+        </p:txBody>
+      </p:sp>
+      <p:pic>
+        <p:nvPicPr>
+          <p:cNvPr id="20" name="Image 19">
+            <a:extLst>
+              <a:ext uri="{FF2B5EF4-FFF2-40B4-BE49-F238E27FC236}">
+                <a16:creationId xmlns:a16="http://schemas.microsoft.com/office/drawing/2014/main" id="{2A833572-60EA-DC48-9F96-0F91CAD463B1}"/>
+              </a:ext>
+            </a:extLst>
+          </p:cNvPr>
+          <p:cNvPicPr>
+            <a:picLocks noChangeAspect="1"/>
+          </p:cNvPicPr>
+          <p:nvPr/>
+        </p:nvPicPr>
+        <p:blipFill>
+          <a:blip r:embed="rId3">
+            <a:extLst>
+              <a:ext uri="{28A0092B-C50C-407E-A947-70E740481C1C}">
+                <a14:useLocalDpi xmlns:a14="http://schemas.microsoft.com/office/drawing/2010/main" val="0"/>
+              </a:ext>
+            </a:extLst>
+          </a:blip>
+          <a:stretch>
+            <a:fillRect/>
+          </a:stretch>
+        </p:blipFill>
+        <p:spPr>
+          <a:xfrm>
+            <a:off x="4020231" y="1357851"/>
+            <a:ext cx="967818" cy="967818"/>
+          </a:xfrm>
+          <a:prstGeom prst="rect">
+            <a:avLst/>
+          </a:prstGeom>
+        </p:spPr>
+      </p:pic>
+      <p:sp>
+        <p:nvSpPr>
+          <p:cNvPr id="5" name="ZoneTexte 4">
+            <a:extLst>
+              <a:ext uri="{FF2B5EF4-FFF2-40B4-BE49-F238E27FC236}">
+                <a16:creationId xmlns:a16="http://schemas.microsoft.com/office/drawing/2014/main" id="{44A6A55D-8272-B94B-B7FD-3673A019A11A}"/>
+              </a:ext>
+            </a:extLst>
+          </p:cNvPr>
+          <p:cNvSpPr txBox="1"/>
+          <p:nvPr/>
+        </p:nvSpPr>
+        <p:spPr>
+          <a:xfrm>
+            <a:off x="3813085" y="2374269"/>
+            <a:ext cx="1382110" cy="338554"/>
+          </a:xfrm>
+          <a:prstGeom prst="rect">
+            <a:avLst/>
+          </a:prstGeom>
+          <a:noFill/>
+        </p:spPr>
+        <p:txBody>
+          <a:bodyPr wrap="none" rtlCol="0">
+            <a:spAutoFit/>
+          </a:bodyPr>
+          <a:lstStyle/>
+          <a:p>
+            <a:r>
               <a:rPr lang="fr-FR" sz="800" dirty="0" err="1"/>
-              <a:t>Descrire</a:t>
+              <a:t>Nchoice</a:t>
             </a:r>
             <a:r>
               <a:rPr lang="fr-FR" sz="800" dirty="0"/>
-              <a:t> plus comment l’utilisateur </a:t>
-            </a:r>
-          </a:p>
-          <a:p>
-            <a:pPr algn="just"/>
-            <a:endParaRPr lang="fr-FR" sz="800" dirty="0"/>
-          </a:p>
-          <a:p>
-            <a:pPr algn="just"/>
+              <a:t>, le choix des rois.</a:t>
+            </a:r>
+          </a:p>
+          <a:p>
+            <a:r>
+              <a:rPr lang="fr-FR" sz="800" dirty="0" err="1"/>
+              <a:t>Nchoice</a:t>
+            </a:r>
             <a:r>
               <a:rPr lang="fr-FR" sz="800" dirty="0"/>
-              <a:t>Nous avons fait une liste des catégories et mots-clés dans la description des films dans la base de données afin que les utilisateurs puissent choisir directement. Ainsi, ils n’auront qu’à saisir leur critères souhaités et la liste leur sera présentée.</a:t>
+              <a:t>, le choix des rois.</a:t>
             </a:r>
           </a:p>
         </p:txBody>

--- a/Gr2 - Canevas - CDC.pptx
+++ b/Gr2 - Canevas - CDC.pptx
@@ -3904,7 +3904,7 @@
             <a:pPr algn="just"/>
             <a:r>
               <a:rPr lang="fr-FR" sz="800" dirty="0"/>
-              <a:t>Lorsque les usagers veulent regarder un film à plusieurs, c’est souvent difficiles de se mettre d’accord et de trouver un contenu qui convient à tous. </a:t>
+              <a:t>Lorsque les usagers veulent regarder un film à plusieurs, c’est souvent difficile de se mettre d’accord et de trouver un contenu qui convient à tous. </a:t>
             </a:r>
           </a:p>
         </p:txBody>
@@ -4128,7 +4128,7 @@
         <p:spPr>
           <a:xfrm>
             <a:off x="7415092" y="1180040"/>
-            <a:ext cx="1383126" cy="1815882"/>
+            <a:ext cx="1383126" cy="2185214"/>
           </a:xfrm>
           <a:prstGeom prst="rect">
             <a:avLst/>
@@ -4144,7 +4144,15 @@
             <a:pPr algn="just"/>
             <a:r>
               <a:rPr lang="fr-FR" sz="800" dirty="0"/>
-              <a:t>L’utilisateur n’a qu’à appuyer sur le bouton Start, rentrer ses choix à l’aide de listes déroulantes. Les critères de chacun des utilisateurs seront pris en compte dans la liste de contenus présentés. De plus, l’utilisateur se connecte afin de pouvoir garder un historique de ses visionnage.</a:t>
+              <a:t>L’utilisateur n’a qu’à </a:t>
+            </a:r>
+            <a:r>
+              <a:rPr lang="fr-FR" sz="800" dirty="0" err="1"/>
+              <a:t>si’dentifier</a:t>
+            </a:r>
+            <a:r>
+              <a:rPr lang="fr-FR" sz="800" dirty="0"/>
+              <a:t>, rentrer ses choix à l’aide de listes déroulantes. Les critères de chacun des utilisateurs seront pris en compte dans la liste de contenus présentés. De plus, l’utilisateur se connecte notamment afin de pouvoir garder un historique de ses visionnages et qu’un système de recommandation puisse être mis en place.</a:t>
             </a:r>
           </a:p>
           <a:p>
@@ -4226,7 +4234,7 @@
             </a:r>
             <a:r>
               <a:rPr lang="fr-FR" sz="800" dirty="0"/>
-              <a:t>, le choix des rois.</a:t>
+              <a:t>, le roi des choix.</a:t>
             </a:r>
           </a:p>
           <a:p>
